--- a/UI Ideas.pptx
+++ b/UI Ideas.pptx
@@ -2574,9 +2574,33 @@
 <p:sldMaster xmlns:a="http://schemas.openxmlformats.org/drawingml/2006/main" xmlns:r="http://schemas.openxmlformats.org/officeDocument/2006/relationships" xmlns:p="http://schemas.openxmlformats.org/presentationml/2006/main">
   <p:cSld>
     <p:bg>
-      <p:bgRef idx="1001">
-        <a:schemeClr val="bg1"/>
-      </p:bgRef>
+      <p:bgPr>
+        <a:gradFill flip="none" rotWithShape="1">
+          <a:gsLst>
+            <a:gs pos="0">
+              <a:schemeClr val="accent1">
+                <a:tint val="66000"/>
+                <a:satMod val="160000"/>
+              </a:schemeClr>
+            </a:gs>
+            <a:gs pos="50000">
+              <a:schemeClr val="accent1">
+                <a:tint val="44500"/>
+                <a:satMod val="160000"/>
+              </a:schemeClr>
+            </a:gs>
+            <a:gs pos="100000">
+              <a:schemeClr val="accent1">
+                <a:tint val="23500"/>
+                <a:satMod val="160000"/>
+              </a:schemeClr>
+            </a:gs>
+          </a:gsLst>
+          <a:lin ang="5400000" scaled="0"/>
+          <a:tileRect/>
+        </a:gradFill>
+        <a:effectLst/>
+      </p:bgPr>
     </p:bg>
     <p:spTree>
       <p:nvGrpSpPr>
@@ -3211,11 +3235,7 @@
             <a:pPr algn="ctr"/>
             <a:r>
               <a:rPr lang="en-GB" sz="1200" dirty="0" smtClean="0"/>
-              <a:t>11:28                      </a:t>
-            </a:r>
-            <a:r>
-              <a:rPr lang="en-GB" sz="1200" dirty="0" smtClean="0"/>
-              <a:t>13/09/2020                      📅                      </a:t>
+              <a:t>11:28                      13/09/2020                      📅                      </a:t>
             </a:r>
             <a:r>
               <a:rPr lang="en-GB" sz="1200" b="1" dirty="0"/>
@@ -3356,10 +3376,7 @@
             <a:avLst/>
           </a:prstGeom>
           <a:solidFill>
-            <a:schemeClr val="accent1">
-              <a:lumMod val="60000"/>
-              <a:lumOff val="40000"/>
-            </a:schemeClr>
+            <a:srgbClr val="FFC000"/>
           </a:solidFill>
         </p:spPr>
         <p:style>
@@ -3712,11 +3729,7 @@
             <a:pPr algn="ctr"/>
             <a:r>
               <a:rPr lang="en-GB" sz="1200" dirty="0" smtClean="0"/>
-              <a:t>11:28                      </a:t>
-            </a:r>
-            <a:r>
-              <a:rPr lang="en-GB" sz="1200" dirty="0" smtClean="0"/>
-              <a:t>13/09/2020                      📅                      </a:t>
+              <a:t>11:28                      13/09/2020                      📅                      </a:t>
             </a:r>
             <a:r>
               <a:rPr lang="en-GB" sz="1200" b="1" dirty="0"/>
@@ -3857,10 +3870,7 @@
             <a:avLst/>
           </a:prstGeom>
           <a:solidFill>
-            <a:schemeClr val="accent1">
-              <a:lumMod val="60000"/>
-              <a:lumOff val="40000"/>
-            </a:schemeClr>
+            <a:srgbClr val="FFC000"/>
           </a:solidFill>
         </p:spPr>
         <p:style>
@@ -4158,11 +4168,7 @@
             <a:pPr algn="ctr"/>
             <a:r>
               <a:rPr lang="en-GB" sz="1200" dirty="0" smtClean="0"/>
-              <a:t>11:28                      </a:t>
-            </a:r>
-            <a:r>
-              <a:rPr lang="en-GB" sz="1200" dirty="0" smtClean="0"/>
-              <a:t>13/09/2020                      📅                      </a:t>
+              <a:t>11:28                      13/09/2020                      📅                      </a:t>
             </a:r>
             <a:r>
               <a:rPr lang="en-GB" sz="1200" b="1" dirty="0"/>
@@ -4303,10 +4309,7 @@
             <a:avLst/>
           </a:prstGeom>
           <a:solidFill>
-            <a:schemeClr val="accent1">
-              <a:lumMod val="60000"/>
-              <a:lumOff val="40000"/>
-            </a:schemeClr>
+            <a:srgbClr val="FFC000"/>
           </a:solidFill>
         </p:spPr>
         <p:style>
@@ -4556,8 +4559,8 @@
         </p:nvSpPr>
         <p:spPr>
           <a:xfrm>
-            <a:off x="6948264" y="897687"/>
-            <a:ext cx="2195736" cy="830997"/>
+            <a:off x="7236296" y="897687"/>
+            <a:ext cx="1800200" cy="1754326"/>
           </a:xfrm>
           <a:prstGeom prst="rect">
             <a:avLst/>
@@ -4572,20 +4575,37 @@
           <a:p>
             <a:r>
               <a:rPr lang="en-GB" sz="1200" dirty="0" smtClean="0"/>
-              <a:t>Inspiration = Examples</a:t>
-            </a:r>
-          </a:p>
-          <a:p>
+              <a:t>Inspiration = </a:t>
+            </a:r>
             <a:r>
               <a:rPr lang="en-GB" sz="1200" dirty="0" smtClean="0"/>
-              <a:t>Achievements </a:t>
-            </a:r>
+              <a:t>Examples</a:t>
+            </a:r>
+          </a:p>
+          <a:p>
+            <a:endParaRPr lang="en-GB" sz="1200" dirty="0" smtClean="0"/>
           </a:p>
           <a:p>
             <a:r>
               <a:rPr lang="en-GB" sz="1200" dirty="0" smtClean="0"/>
-              <a:t>About = What is this app? Me?</a:t>
-            </a:r>
+              <a:t>Achievements = Keeps users motivated </a:t>
+            </a:r>
+          </a:p>
+          <a:p>
+            <a:endParaRPr lang="en-GB" sz="1200" dirty="0" smtClean="0"/>
+          </a:p>
+          <a:p>
+            <a:r>
+              <a:rPr lang="en-GB" sz="1200" dirty="0" smtClean="0"/>
+              <a:t>About = What is this app? Me</a:t>
+            </a:r>
+            <a:r>
+              <a:rPr lang="en-GB" sz="1200" dirty="0" smtClean="0"/>
+              <a:t>?</a:t>
+            </a:r>
+          </a:p>
+          <a:p>
+            <a:endParaRPr lang="en-GB" sz="1200" dirty="0" smtClean="0"/>
           </a:p>
           <a:p>
             <a:r>

--- a/UI Ideas.pptx
+++ b/UI Ideas.pptx
@@ -8,6 +8,9 @@
     <p:sldId id="256" r:id="rId2"/>
     <p:sldId id="257" r:id="rId3"/>
     <p:sldId id="258" r:id="rId4"/>
+    <p:sldId id="260" r:id="rId5"/>
+    <p:sldId id="259" r:id="rId6"/>
+    <p:sldId id="261" r:id="rId7"/>
   </p:sldIdLst>
   <p:sldSz cx="9144000" cy="6858000" type="screen4x3"/>
   <p:notesSz cx="6858000" cy="9144000"/>
@@ -290,7 +293,7 @@
           <a:p>
             <a:fld id="{6C6399F9-48EB-4B19-B916-6516625928B8}" type="datetimeFigureOut">
               <a:rPr lang="en-GB" smtClean="0"/>
-              <a:t>13/09/2020</a:t>
+              <a:t>14/09/2020</a:t>
             </a:fld>
             <a:endParaRPr lang="en-GB"/>
           </a:p>
@@ -460,7 +463,7 @@
           <a:p>
             <a:fld id="{6C6399F9-48EB-4B19-B916-6516625928B8}" type="datetimeFigureOut">
               <a:rPr lang="en-GB" smtClean="0"/>
-              <a:t>13/09/2020</a:t>
+              <a:t>14/09/2020</a:t>
             </a:fld>
             <a:endParaRPr lang="en-GB"/>
           </a:p>
@@ -640,7 +643,7 @@
           <a:p>
             <a:fld id="{6C6399F9-48EB-4B19-B916-6516625928B8}" type="datetimeFigureOut">
               <a:rPr lang="en-GB" smtClean="0"/>
-              <a:t>13/09/2020</a:t>
+              <a:t>14/09/2020</a:t>
             </a:fld>
             <a:endParaRPr lang="en-GB"/>
           </a:p>
@@ -810,7 +813,7 @@
           <a:p>
             <a:fld id="{6C6399F9-48EB-4B19-B916-6516625928B8}" type="datetimeFigureOut">
               <a:rPr lang="en-GB" smtClean="0"/>
-              <a:t>13/09/2020</a:t>
+              <a:t>14/09/2020</a:t>
             </a:fld>
             <a:endParaRPr lang="en-GB"/>
           </a:p>
@@ -1056,7 +1059,7 @@
           <a:p>
             <a:fld id="{6C6399F9-48EB-4B19-B916-6516625928B8}" type="datetimeFigureOut">
               <a:rPr lang="en-GB" smtClean="0"/>
-              <a:t>13/09/2020</a:t>
+              <a:t>14/09/2020</a:t>
             </a:fld>
             <a:endParaRPr lang="en-GB"/>
           </a:p>
@@ -1344,7 +1347,7 @@
           <a:p>
             <a:fld id="{6C6399F9-48EB-4B19-B916-6516625928B8}" type="datetimeFigureOut">
               <a:rPr lang="en-GB" smtClean="0"/>
-              <a:t>13/09/2020</a:t>
+              <a:t>14/09/2020</a:t>
             </a:fld>
             <a:endParaRPr lang="en-GB"/>
           </a:p>
@@ -1766,7 +1769,7 @@
           <a:p>
             <a:fld id="{6C6399F9-48EB-4B19-B916-6516625928B8}" type="datetimeFigureOut">
               <a:rPr lang="en-GB" smtClean="0"/>
-              <a:t>13/09/2020</a:t>
+              <a:t>14/09/2020</a:t>
             </a:fld>
             <a:endParaRPr lang="en-GB"/>
           </a:p>
@@ -1884,7 +1887,7 @@
           <a:p>
             <a:fld id="{6C6399F9-48EB-4B19-B916-6516625928B8}" type="datetimeFigureOut">
               <a:rPr lang="en-GB" smtClean="0"/>
-              <a:t>13/09/2020</a:t>
+              <a:t>14/09/2020</a:t>
             </a:fld>
             <a:endParaRPr lang="en-GB"/>
           </a:p>
@@ -1979,7 +1982,7 @@
           <a:p>
             <a:fld id="{6C6399F9-48EB-4B19-B916-6516625928B8}" type="datetimeFigureOut">
               <a:rPr lang="en-GB" smtClean="0"/>
-              <a:t>13/09/2020</a:t>
+              <a:t>14/09/2020</a:t>
             </a:fld>
             <a:endParaRPr lang="en-GB"/>
           </a:p>
@@ -2256,7 +2259,7 @@
           <a:p>
             <a:fld id="{6C6399F9-48EB-4B19-B916-6516625928B8}" type="datetimeFigureOut">
               <a:rPr lang="en-GB" smtClean="0"/>
-              <a:t>13/09/2020</a:t>
+              <a:t>14/09/2020</a:t>
             </a:fld>
             <a:endParaRPr lang="en-GB"/>
           </a:p>
@@ -2509,7 +2512,7 @@
           <a:p>
             <a:fld id="{6C6399F9-48EB-4B19-B916-6516625928B8}" type="datetimeFigureOut">
               <a:rPr lang="en-GB" smtClean="0"/>
-              <a:t>13/09/2020</a:t>
+              <a:t>14/09/2020</a:t>
             </a:fld>
             <a:endParaRPr lang="en-GB"/>
           </a:p>
@@ -2746,7 +2749,7 @@
           <a:p>
             <a:fld id="{6C6399F9-48EB-4B19-B916-6516625928B8}" type="datetimeFigureOut">
               <a:rPr lang="en-GB" smtClean="0"/>
-              <a:t>13/09/2020</a:t>
+              <a:t>14/09/2020</a:t>
             </a:fld>
             <a:endParaRPr lang="en-GB"/>
           </a:p>
@@ -4575,11 +4578,7 @@
           <a:p>
             <a:r>
               <a:rPr lang="en-GB" sz="1200" dirty="0" smtClean="0"/>
-              <a:t>Inspiration = </a:t>
-            </a:r>
-            <a:r>
-              <a:rPr lang="en-GB" sz="1200" dirty="0" smtClean="0"/>
-              <a:t>Examples</a:t>
+              <a:t>Inspiration = Examples</a:t>
             </a:r>
           </a:p>
           <a:p>
@@ -4597,11 +4596,7 @@
           <a:p>
             <a:r>
               <a:rPr lang="en-GB" sz="1200" dirty="0" smtClean="0"/>
-              <a:t>About = What is this app? Me</a:t>
-            </a:r>
-            <a:r>
-              <a:rPr lang="en-GB" sz="1200" dirty="0" smtClean="0"/>
-              <a:t>?</a:t>
+              <a:t>About = What is this app? Me?</a:t>
             </a:r>
           </a:p>
           <a:p>
@@ -4619,6 +4614,1332 @@
     <p:extLst>
       <p:ext uri="{BB962C8B-B14F-4D97-AF65-F5344CB8AC3E}">
         <p14:creationId xmlns:p14="http://schemas.microsoft.com/office/powerpoint/2010/main" val="2451799683"/>
+      </p:ext>
+    </p:extLst>
+  </p:cSld>
+  <p:clrMapOvr>
+    <a:masterClrMapping/>
+  </p:clrMapOvr>
+</p:sld>
+</file>
+
+<file path=ppt/slides/slide4.xml><?xml version="1.0" encoding="utf-8"?>
+<p:sld xmlns:a="http://schemas.openxmlformats.org/drawingml/2006/main" xmlns:r="http://schemas.openxmlformats.org/officeDocument/2006/relationships" xmlns:p="http://schemas.openxmlformats.org/presentationml/2006/main">
+  <p:cSld>
+    <p:spTree>
+      <p:nvGrpSpPr>
+        <p:cNvPr id="1" name=""/>
+        <p:cNvGrpSpPr/>
+        <p:nvPr/>
+      </p:nvGrpSpPr>
+      <p:grpSpPr>
+        <a:xfrm>
+          <a:off x="0" y="0"/>
+          <a:ext cx="0" cy="0"/>
+          <a:chOff x="0" y="0"/>
+          <a:chExt cx="0" cy="0"/>
+        </a:xfrm>
+      </p:grpSpPr>
+      <p:sp>
+        <p:nvSpPr>
+          <p:cNvPr id="2" name="Title 1"/>
+          <p:cNvSpPr>
+            <a:spLocks noGrp="1"/>
+          </p:cNvSpPr>
+          <p:nvPr>
+            <p:ph type="title"/>
+          </p:nvPr>
+        </p:nvSpPr>
+        <p:spPr/>
+        <p:txBody>
+          <a:bodyPr/>
+          <a:lstStyle/>
+          <a:p>
+            <a:r>
+              <a:rPr lang="en-GB" dirty="0" smtClean="0"/>
+              <a:t>New Version</a:t>
+            </a:r>
+            <a:endParaRPr lang="en-GB" dirty="0"/>
+          </a:p>
+        </p:txBody>
+      </p:sp>
+    </p:spTree>
+    <p:extLst>
+      <p:ext uri="{BB962C8B-B14F-4D97-AF65-F5344CB8AC3E}">
+        <p14:creationId xmlns:p14="http://schemas.microsoft.com/office/powerpoint/2010/main" val="3702371167"/>
+      </p:ext>
+    </p:extLst>
+  </p:cSld>
+  <p:clrMapOvr>
+    <a:masterClrMapping/>
+  </p:clrMapOvr>
+</p:sld>
+</file>
+
+<file path=ppt/slides/slide5.xml><?xml version="1.0" encoding="utf-8"?>
+<p:sld xmlns:a="http://schemas.openxmlformats.org/drawingml/2006/main" xmlns:r="http://schemas.openxmlformats.org/officeDocument/2006/relationships" xmlns:p="http://schemas.openxmlformats.org/presentationml/2006/main">
+  <p:cSld>
+    <p:spTree>
+      <p:nvGrpSpPr>
+        <p:cNvPr id="1" name=""/>
+        <p:cNvGrpSpPr/>
+        <p:nvPr/>
+      </p:nvGrpSpPr>
+      <p:grpSpPr>
+        <a:xfrm>
+          <a:off x="0" y="0"/>
+          <a:ext cx="0" cy="0"/>
+          <a:chOff x="0" y="0"/>
+          <a:chExt cx="0" cy="0"/>
+        </a:xfrm>
+      </p:grpSpPr>
+      <p:sp>
+        <p:nvSpPr>
+          <p:cNvPr id="4" name="Rectangle 3"/>
+          <p:cNvSpPr/>
+          <p:nvPr/>
+        </p:nvSpPr>
+        <p:spPr>
+          <a:xfrm>
+            <a:off x="2699792" y="188640"/>
+            <a:ext cx="3960440" cy="6408712"/>
+          </a:xfrm>
+          <a:prstGeom prst="rect">
+            <a:avLst/>
+          </a:prstGeom>
+          <a:solidFill>
+            <a:srgbClr val="F7F9A5"/>
+          </a:solidFill>
+          <a:ln>
+            <a:solidFill>
+              <a:schemeClr val="accent1">
+                <a:shade val="50000"/>
+              </a:schemeClr>
+            </a:solidFill>
+          </a:ln>
+        </p:spPr>
+        <p:style>
+          <a:lnRef idx="2">
+            <a:schemeClr val="accent1">
+              <a:shade val="50000"/>
+            </a:schemeClr>
+          </a:lnRef>
+          <a:fillRef idx="1">
+            <a:schemeClr val="accent1"/>
+          </a:fillRef>
+          <a:effectRef idx="0">
+            <a:schemeClr val="accent1"/>
+          </a:effectRef>
+          <a:fontRef idx="minor">
+            <a:schemeClr val="lt1"/>
+          </a:fontRef>
+        </p:style>
+        <p:txBody>
+          <a:bodyPr rtlCol="0" anchor="ctr"/>
+          <a:lstStyle/>
+          <a:p>
+            <a:pPr algn="ctr"/>
+            <a:endParaRPr lang="en-GB"/>
+          </a:p>
+        </p:txBody>
+      </p:sp>
+      <p:sp>
+        <p:nvSpPr>
+          <p:cNvPr id="5" name="TextBox 4"/>
+          <p:cNvSpPr txBox="1"/>
+          <p:nvPr/>
+        </p:nvSpPr>
+        <p:spPr>
+          <a:xfrm>
+            <a:off x="2699792" y="251356"/>
+            <a:ext cx="3960440" cy="369332"/>
+          </a:xfrm>
+          <a:prstGeom prst="rect">
+            <a:avLst/>
+          </a:prstGeom>
+          <a:noFill/>
+        </p:spPr>
+        <p:txBody>
+          <a:bodyPr wrap="square" rtlCol="0">
+            <a:spAutoFit/>
+          </a:bodyPr>
+          <a:lstStyle/>
+          <a:p>
+            <a:pPr algn="ctr"/>
+            <a:r>
+              <a:rPr lang="en-GB" b="1" dirty="0" smtClean="0"/>
+              <a:t>Take That 1</a:t>
+            </a:r>
+            <a:r>
+              <a:rPr lang="en-GB" b="1" baseline="30000" dirty="0" smtClean="0"/>
+              <a:t>st</a:t>
+            </a:r>
+            <a:r>
+              <a:rPr lang="en-GB" b="1" dirty="0" smtClean="0"/>
+              <a:t> Step</a:t>
+            </a:r>
+            <a:endParaRPr lang="en-GB" b="1" dirty="0"/>
+          </a:p>
+        </p:txBody>
+      </p:sp>
+      <p:sp>
+        <p:nvSpPr>
+          <p:cNvPr id="7" name="Oval 6"/>
+          <p:cNvSpPr/>
+          <p:nvPr/>
+        </p:nvSpPr>
+        <p:spPr>
+          <a:xfrm>
+            <a:off x="3149842" y="1009844"/>
+            <a:ext cx="1080120" cy="474940"/>
+          </a:xfrm>
+          <a:prstGeom prst="ellipse">
+            <a:avLst/>
+          </a:prstGeom>
+          <a:solidFill>
+            <a:schemeClr val="accent1">
+              <a:lumMod val="60000"/>
+              <a:lumOff val="40000"/>
+            </a:schemeClr>
+          </a:solidFill>
+        </p:spPr>
+        <p:style>
+          <a:lnRef idx="2">
+            <a:schemeClr val="accent1">
+              <a:shade val="50000"/>
+            </a:schemeClr>
+          </a:lnRef>
+          <a:fillRef idx="1">
+            <a:schemeClr val="accent1"/>
+          </a:fillRef>
+          <a:effectRef idx="0">
+            <a:schemeClr val="accent1"/>
+          </a:effectRef>
+          <a:fontRef idx="minor">
+            <a:schemeClr val="lt1"/>
+          </a:fontRef>
+        </p:style>
+        <p:txBody>
+          <a:bodyPr rtlCol="0" anchor="ctr"/>
+          <a:lstStyle/>
+          <a:p>
+            <a:pPr algn="ctr"/>
+            <a:r>
+              <a:rPr lang="en-GB" sz="1200" dirty="0" smtClean="0">
+                <a:solidFill>
+                  <a:schemeClr val="tx1"/>
+                </a:solidFill>
+              </a:rPr>
+              <a:t>Today</a:t>
+            </a:r>
+            <a:endParaRPr lang="en-GB" sz="1100" dirty="0">
+              <a:solidFill>
+                <a:schemeClr val="tx1"/>
+              </a:solidFill>
+            </a:endParaRPr>
+          </a:p>
+        </p:txBody>
+      </p:sp>
+      <p:sp>
+        <p:nvSpPr>
+          <p:cNvPr id="8" name="Oval 7"/>
+          <p:cNvSpPr/>
+          <p:nvPr/>
+        </p:nvSpPr>
+        <p:spPr>
+          <a:xfrm>
+            <a:off x="5130062" y="1009844"/>
+            <a:ext cx="1080120" cy="474940"/>
+          </a:xfrm>
+          <a:prstGeom prst="ellipse">
+            <a:avLst/>
+          </a:prstGeom>
+          <a:solidFill>
+            <a:schemeClr val="accent1">
+              <a:lumMod val="60000"/>
+              <a:lumOff val="40000"/>
+            </a:schemeClr>
+          </a:solidFill>
+        </p:spPr>
+        <p:style>
+          <a:lnRef idx="2">
+            <a:schemeClr val="accent1">
+              <a:shade val="50000"/>
+            </a:schemeClr>
+          </a:lnRef>
+          <a:fillRef idx="1">
+            <a:schemeClr val="accent1"/>
+          </a:fillRef>
+          <a:effectRef idx="0">
+            <a:schemeClr val="accent1"/>
+          </a:effectRef>
+          <a:fontRef idx="minor">
+            <a:schemeClr val="lt1"/>
+          </a:fontRef>
+        </p:style>
+        <p:txBody>
+          <a:bodyPr rtlCol="0" anchor="ctr"/>
+          <a:lstStyle/>
+          <a:p>
+            <a:pPr algn="ctr"/>
+            <a:r>
+              <a:rPr lang="en-GB" sz="1200" dirty="0" smtClean="0">
+                <a:solidFill>
+                  <a:schemeClr val="tx1"/>
+                </a:solidFill>
+              </a:rPr>
+              <a:t>Habits</a:t>
+            </a:r>
+            <a:endParaRPr lang="en-GB" sz="1100" dirty="0">
+              <a:solidFill>
+                <a:schemeClr val="tx1"/>
+              </a:solidFill>
+            </a:endParaRPr>
+          </a:p>
+        </p:txBody>
+      </p:sp>
+      <p:sp>
+        <p:nvSpPr>
+          <p:cNvPr id="9" name="Oval 8"/>
+          <p:cNvSpPr/>
+          <p:nvPr/>
+        </p:nvSpPr>
+        <p:spPr>
+          <a:xfrm>
+            <a:off x="4432176" y="2810044"/>
+            <a:ext cx="495672" cy="474940"/>
+          </a:xfrm>
+          <a:prstGeom prst="ellipse">
+            <a:avLst/>
+          </a:prstGeom>
+          <a:solidFill>
+            <a:srgbClr val="FFC000"/>
+          </a:solidFill>
+        </p:spPr>
+        <p:style>
+          <a:lnRef idx="2">
+            <a:schemeClr val="accent1">
+              <a:shade val="50000"/>
+            </a:schemeClr>
+          </a:lnRef>
+          <a:fillRef idx="1">
+            <a:schemeClr val="accent1"/>
+          </a:fillRef>
+          <a:effectRef idx="0">
+            <a:schemeClr val="accent1"/>
+          </a:effectRef>
+          <a:fontRef idx="minor">
+            <a:schemeClr val="lt1"/>
+          </a:fontRef>
+        </p:style>
+        <p:txBody>
+          <a:bodyPr rtlCol="0" anchor="ctr"/>
+          <a:lstStyle/>
+          <a:p>
+            <a:pPr algn="ctr"/>
+            <a:r>
+              <a:rPr lang="en-GB" sz="2400" dirty="0" smtClean="0">
+                <a:solidFill>
+                  <a:schemeClr val="accent3">
+                    <a:lumMod val="50000"/>
+                  </a:schemeClr>
+                </a:solidFill>
+              </a:rPr>
+              <a:t>➕</a:t>
+            </a:r>
+            <a:endParaRPr lang="en-GB" sz="2400" dirty="0">
+              <a:solidFill>
+                <a:schemeClr val="accent3">
+                  <a:lumMod val="50000"/>
+                </a:schemeClr>
+              </a:solidFill>
+            </a:endParaRPr>
+          </a:p>
+        </p:txBody>
+      </p:sp>
+      <p:sp>
+        <p:nvSpPr>
+          <p:cNvPr id="10" name="Rectangle 9"/>
+          <p:cNvSpPr/>
+          <p:nvPr/>
+        </p:nvSpPr>
+        <p:spPr>
+          <a:xfrm>
+            <a:off x="3689902" y="1700808"/>
+            <a:ext cx="1980220" cy="648072"/>
+          </a:xfrm>
+          <a:prstGeom prst="rect">
+            <a:avLst/>
+          </a:prstGeom>
+          <a:solidFill>
+            <a:srgbClr val="FFC000"/>
+          </a:solidFill>
+        </p:spPr>
+        <p:style>
+          <a:lnRef idx="2">
+            <a:schemeClr val="accent1">
+              <a:shade val="50000"/>
+            </a:schemeClr>
+          </a:lnRef>
+          <a:fillRef idx="1">
+            <a:schemeClr val="accent1"/>
+          </a:fillRef>
+          <a:effectRef idx="0">
+            <a:schemeClr val="accent1"/>
+          </a:effectRef>
+          <a:fontRef idx="minor">
+            <a:schemeClr val="lt1"/>
+          </a:fontRef>
+        </p:style>
+        <p:txBody>
+          <a:bodyPr rtlCol="0" anchor="ctr"/>
+          <a:lstStyle/>
+          <a:p>
+            <a:pPr algn="ctr"/>
+            <a:r>
+              <a:rPr lang="en-GB" sz="1400" dirty="0" smtClean="0">
+                <a:solidFill>
+                  <a:schemeClr val="tx1"/>
+                </a:solidFill>
+              </a:rPr>
+              <a:t>Mediate for 10 minutes every day (12 days left)</a:t>
+            </a:r>
+            <a:endParaRPr lang="en-GB" sz="1400" dirty="0">
+              <a:solidFill>
+                <a:schemeClr val="tx1"/>
+              </a:solidFill>
+            </a:endParaRPr>
+          </a:p>
+        </p:txBody>
+      </p:sp>
+      <p:sp>
+        <p:nvSpPr>
+          <p:cNvPr id="11" name="Rectangle 10"/>
+          <p:cNvSpPr/>
+          <p:nvPr/>
+        </p:nvSpPr>
+        <p:spPr>
+          <a:xfrm>
+            <a:off x="3689902" y="2348880"/>
+            <a:ext cx="1980220" cy="216024"/>
+          </a:xfrm>
+          <a:prstGeom prst="rect">
+            <a:avLst/>
+          </a:prstGeom>
+          <a:solidFill>
+            <a:srgbClr val="FFC000"/>
+          </a:solidFill>
+        </p:spPr>
+        <p:style>
+          <a:lnRef idx="2">
+            <a:schemeClr val="accent1">
+              <a:shade val="50000"/>
+            </a:schemeClr>
+          </a:lnRef>
+          <a:fillRef idx="1">
+            <a:schemeClr val="accent1"/>
+          </a:fillRef>
+          <a:effectRef idx="0">
+            <a:schemeClr val="accent1"/>
+          </a:effectRef>
+          <a:fontRef idx="minor">
+            <a:schemeClr val="lt1"/>
+          </a:fontRef>
+        </p:style>
+        <p:txBody>
+          <a:bodyPr rtlCol="0" anchor="ctr"/>
+          <a:lstStyle/>
+          <a:p>
+            <a:pPr algn="ctr"/>
+            <a:r>
+              <a:rPr lang="en-GB" sz="1400" dirty="0" smtClean="0">
+                <a:solidFill>
+                  <a:srgbClr val="FF0000"/>
+                </a:solidFill>
+              </a:rPr>
+              <a:t>❌</a:t>
+            </a:r>
+            <a:endParaRPr lang="en-GB" sz="1400" dirty="0">
+              <a:solidFill>
+                <a:srgbClr val="FF0000"/>
+              </a:solidFill>
+            </a:endParaRPr>
+          </a:p>
+        </p:txBody>
+      </p:sp>
+      <p:sp>
+        <p:nvSpPr>
+          <p:cNvPr id="12" name="Rectangle 11"/>
+          <p:cNvSpPr/>
+          <p:nvPr/>
+        </p:nvSpPr>
+        <p:spPr>
+          <a:xfrm>
+            <a:off x="2699792" y="5949280"/>
+            <a:ext cx="1980220" cy="648072"/>
+          </a:xfrm>
+          <a:prstGeom prst="rect">
+            <a:avLst/>
+          </a:prstGeom>
+          <a:solidFill>
+            <a:schemeClr val="accent1">
+              <a:lumMod val="60000"/>
+              <a:lumOff val="40000"/>
+            </a:schemeClr>
+          </a:solidFill>
+        </p:spPr>
+        <p:style>
+          <a:lnRef idx="2">
+            <a:schemeClr val="accent1">
+              <a:shade val="50000"/>
+            </a:schemeClr>
+          </a:lnRef>
+          <a:fillRef idx="1">
+            <a:schemeClr val="accent1"/>
+          </a:fillRef>
+          <a:effectRef idx="0">
+            <a:schemeClr val="accent1"/>
+          </a:effectRef>
+          <a:fontRef idx="minor">
+            <a:schemeClr val="lt1"/>
+          </a:fontRef>
+        </p:style>
+        <p:txBody>
+          <a:bodyPr rtlCol="0" anchor="ctr"/>
+          <a:lstStyle/>
+          <a:p>
+            <a:pPr algn="ctr"/>
+            <a:r>
+              <a:rPr lang="en-GB" sz="1400" dirty="0">
+                <a:solidFill>
+                  <a:schemeClr val="tx1"/>
+                </a:solidFill>
+              </a:rPr>
+              <a:t>Inspiration </a:t>
+            </a:r>
+            <a:r>
+              <a:rPr lang="en-GB" sz="1400" dirty="0" smtClean="0">
+                <a:solidFill>
+                  <a:schemeClr val="tx1"/>
+                </a:solidFill>
+              </a:rPr>
+              <a:t>💭</a:t>
+            </a:r>
+            <a:r>
+              <a:rPr lang="en-GB" sz="1400" dirty="0" smtClean="0">
+                <a:solidFill>
+                  <a:schemeClr val="tx1"/>
+                </a:solidFill>
+              </a:rPr>
+              <a:t> </a:t>
+            </a:r>
+            <a:endParaRPr lang="en-GB" sz="1400" dirty="0">
+              <a:solidFill>
+                <a:schemeClr val="tx1"/>
+              </a:solidFill>
+            </a:endParaRPr>
+          </a:p>
+        </p:txBody>
+      </p:sp>
+      <p:sp>
+        <p:nvSpPr>
+          <p:cNvPr id="13" name="Rectangle 12"/>
+          <p:cNvSpPr/>
+          <p:nvPr/>
+        </p:nvSpPr>
+        <p:spPr>
+          <a:xfrm>
+            <a:off x="4680012" y="5949280"/>
+            <a:ext cx="1980220" cy="648072"/>
+          </a:xfrm>
+          <a:prstGeom prst="rect">
+            <a:avLst/>
+          </a:prstGeom>
+          <a:solidFill>
+            <a:schemeClr val="accent1">
+              <a:lumMod val="60000"/>
+              <a:lumOff val="40000"/>
+            </a:schemeClr>
+          </a:solidFill>
+        </p:spPr>
+        <p:style>
+          <a:lnRef idx="2">
+            <a:schemeClr val="accent1">
+              <a:shade val="50000"/>
+            </a:schemeClr>
+          </a:lnRef>
+          <a:fillRef idx="1">
+            <a:schemeClr val="accent1"/>
+          </a:fillRef>
+          <a:effectRef idx="0">
+            <a:schemeClr val="accent1"/>
+          </a:effectRef>
+          <a:fontRef idx="minor">
+            <a:schemeClr val="lt1"/>
+          </a:fontRef>
+        </p:style>
+        <p:txBody>
+          <a:bodyPr rtlCol="0" anchor="ctr"/>
+          <a:lstStyle/>
+          <a:p>
+            <a:pPr algn="ctr"/>
+            <a:r>
+              <a:rPr lang="en-GB" sz="1400" dirty="0" smtClean="0">
+                <a:solidFill>
+                  <a:schemeClr val="tx1"/>
+                </a:solidFill>
+              </a:rPr>
+              <a:t>Achievements </a:t>
+            </a:r>
+            <a:r>
+              <a:rPr lang="en-GB" sz="1400" dirty="0">
+                <a:solidFill>
+                  <a:schemeClr val="tx1"/>
+                </a:solidFill>
+              </a:rPr>
+              <a:t>🏆 </a:t>
+            </a:r>
+            <a:endParaRPr lang="en-GB" sz="1400" dirty="0">
+              <a:solidFill>
+                <a:schemeClr val="tx1"/>
+              </a:solidFill>
+            </a:endParaRPr>
+          </a:p>
+        </p:txBody>
+      </p:sp>
+      <p:sp>
+        <p:nvSpPr>
+          <p:cNvPr id="14" name="TextBox 13"/>
+          <p:cNvSpPr txBox="1"/>
+          <p:nvPr/>
+        </p:nvSpPr>
+        <p:spPr>
+          <a:xfrm>
+            <a:off x="7164288" y="1009844"/>
+            <a:ext cx="1800200" cy="2123658"/>
+          </a:xfrm>
+          <a:prstGeom prst="rect">
+            <a:avLst/>
+          </a:prstGeom>
+          <a:noFill/>
+        </p:spPr>
+        <p:txBody>
+          <a:bodyPr wrap="square" rtlCol="0">
+            <a:spAutoFit/>
+          </a:bodyPr>
+          <a:lstStyle/>
+          <a:p>
+            <a:r>
+              <a:rPr lang="en-GB" sz="1200" dirty="0" smtClean="0"/>
+              <a:t>Moved inspiration and achievements to the bottom of the page – More accessible</a:t>
+            </a:r>
+          </a:p>
+          <a:p>
+            <a:endParaRPr lang="en-GB" sz="1200" dirty="0"/>
+          </a:p>
+          <a:p>
+            <a:r>
+              <a:rPr lang="en-GB" sz="1200" dirty="0" smtClean="0"/>
+              <a:t>Removed coloured Today and Habits. The buttons are unique which might help users identify them as radio buttons.</a:t>
+            </a:r>
+          </a:p>
+          <a:p>
+            <a:endParaRPr lang="en-GB" sz="1200" dirty="0"/>
+          </a:p>
+        </p:txBody>
+      </p:sp>
+      <p:sp>
+        <p:nvSpPr>
+          <p:cNvPr id="16" name="TextBox 15"/>
+          <p:cNvSpPr txBox="1"/>
+          <p:nvPr/>
+        </p:nvSpPr>
+        <p:spPr>
+          <a:xfrm>
+            <a:off x="2699792" y="620688"/>
+            <a:ext cx="3960440" cy="276999"/>
+          </a:xfrm>
+          <a:prstGeom prst="rect">
+            <a:avLst/>
+          </a:prstGeom>
+          <a:noFill/>
+        </p:spPr>
+        <p:txBody>
+          <a:bodyPr wrap="square" rtlCol="0">
+            <a:spAutoFit/>
+          </a:bodyPr>
+          <a:lstStyle/>
+          <a:p>
+            <a:pPr algn="ctr"/>
+            <a:r>
+              <a:rPr lang="en-GB" sz="1200" dirty="0" smtClean="0"/>
+              <a:t>11:28                      13/09/2020                      📅                      </a:t>
+            </a:r>
+            <a:r>
+              <a:rPr lang="en-GB" sz="1200" b="1" dirty="0"/>
+              <a:t>:</a:t>
+            </a:r>
+            <a:endParaRPr lang="en-GB" sz="1200" b="1" dirty="0" smtClean="0"/>
+          </a:p>
+        </p:txBody>
+      </p:sp>
+    </p:spTree>
+    <p:extLst>
+      <p:ext uri="{BB962C8B-B14F-4D97-AF65-F5344CB8AC3E}">
+        <p14:creationId xmlns:p14="http://schemas.microsoft.com/office/powerpoint/2010/main" val="2413958345"/>
+      </p:ext>
+    </p:extLst>
+  </p:cSld>
+  <p:clrMapOvr>
+    <a:masterClrMapping/>
+  </p:clrMapOvr>
+</p:sld>
+</file>
+
+<file path=ppt/slides/slide6.xml><?xml version="1.0" encoding="utf-8"?>
+<p:sld xmlns:a="http://schemas.openxmlformats.org/drawingml/2006/main" xmlns:r="http://schemas.openxmlformats.org/officeDocument/2006/relationships" xmlns:p="http://schemas.openxmlformats.org/presentationml/2006/main">
+  <p:cSld>
+    <p:spTree>
+      <p:nvGrpSpPr>
+        <p:cNvPr id="1" name=""/>
+        <p:cNvGrpSpPr/>
+        <p:nvPr/>
+      </p:nvGrpSpPr>
+      <p:grpSpPr>
+        <a:xfrm>
+          <a:off x="0" y="0"/>
+          <a:ext cx="0" cy="0"/>
+          <a:chOff x="0" y="0"/>
+          <a:chExt cx="0" cy="0"/>
+        </a:xfrm>
+      </p:grpSpPr>
+      <p:sp>
+        <p:nvSpPr>
+          <p:cNvPr id="4" name="Rectangle 3"/>
+          <p:cNvSpPr/>
+          <p:nvPr/>
+        </p:nvSpPr>
+        <p:spPr>
+          <a:xfrm>
+            <a:off x="2699792" y="188640"/>
+            <a:ext cx="3960440" cy="6408712"/>
+          </a:xfrm>
+          <a:prstGeom prst="rect">
+            <a:avLst/>
+          </a:prstGeom>
+          <a:solidFill>
+            <a:srgbClr val="F7F9A5"/>
+          </a:solidFill>
+          <a:ln>
+            <a:solidFill>
+              <a:schemeClr val="accent1">
+                <a:shade val="50000"/>
+              </a:schemeClr>
+            </a:solidFill>
+          </a:ln>
+        </p:spPr>
+        <p:style>
+          <a:lnRef idx="2">
+            <a:schemeClr val="accent1">
+              <a:shade val="50000"/>
+            </a:schemeClr>
+          </a:lnRef>
+          <a:fillRef idx="1">
+            <a:schemeClr val="accent1"/>
+          </a:fillRef>
+          <a:effectRef idx="0">
+            <a:schemeClr val="accent1"/>
+          </a:effectRef>
+          <a:fontRef idx="minor">
+            <a:schemeClr val="lt1"/>
+          </a:fontRef>
+        </p:style>
+        <p:txBody>
+          <a:bodyPr rtlCol="0" anchor="ctr"/>
+          <a:lstStyle/>
+          <a:p>
+            <a:pPr algn="ctr"/>
+            <a:endParaRPr lang="en-GB"/>
+          </a:p>
+        </p:txBody>
+      </p:sp>
+      <p:sp>
+        <p:nvSpPr>
+          <p:cNvPr id="5" name="TextBox 4"/>
+          <p:cNvSpPr txBox="1"/>
+          <p:nvPr/>
+        </p:nvSpPr>
+        <p:spPr>
+          <a:xfrm>
+            <a:off x="2699792" y="251356"/>
+            <a:ext cx="3960440" cy="369332"/>
+          </a:xfrm>
+          <a:prstGeom prst="rect">
+            <a:avLst/>
+          </a:prstGeom>
+          <a:noFill/>
+        </p:spPr>
+        <p:txBody>
+          <a:bodyPr wrap="square" rtlCol="0">
+            <a:spAutoFit/>
+          </a:bodyPr>
+          <a:lstStyle/>
+          <a:p>
+            <a:pPr algn="ctr"/>
+            <a:r>
+              <a:rPr lang="en-GB" b="1" dirty="0" smtClean="0"/>
+              <a:t>Take That 1</a:t>
+            </a:r>
+            <a:r>
+              <a:rPr lang="en-GB" b="1" baseline="30000" dirty="0" smtClean="0"/>
+              <a:t>st</a:t>
+            </a:r>
+            <a:r>
+              <a:rPr lang="en-GB" b="1" dirty="0" smtClean="0"/>
+              <a:t> Step</a:t>
+            </a:r>
+            <a:endParaRPr lang="en-GB" b="1" dirty="0"/>
+          </a:p>
+        </p:txBody>
+      </p:sp>
+      <p:sp>
+        <p:nvSpPr>
+          <p:cNvPr id="6" name="TextBox 5"/>
+          <p:cNvSpPr txBox="1"/>
+          <p:nvPr/>
+        </p:nvSpPr>
+        <p:spPr>
+          <a:xfrm>
+            <a:off x="2699792" y="620688"/>
+            <a:ext cx="3960440" cy="276999"/>
+          </a:xfrm>
+          <a:prstGeom prst="rect">
+            <a:avLst/>
+          </a:prstGeom>
+          <a:noFill/>
+        </p:spPr>
+        <p:txBody>
+          <a:bodyPr wrap="square" rtlCol="0">
+            <a:spAutoFit/>
+          </a:bodyPr>
+          <a:lstStyle/>
+          <a:p>
+            <a:pPr algn="ctr"/>
+            <a:r>
+              <a:rPr lang="en-GB" sz="1200" dirty="0" smtClean="0"/>
+              <a:t>11:28                      13/09/2020                      📅                      </a:t>
+            </a:r>
+            <a:r>
+              <a:rPr lang="en-GB" sz="1200" b="1" dirty="0"/>
+              <a:t>:</a:t>
+            </a:r>
+            <a:endParaRPr lang="en-GB" sz="1200" b="1" dirty="0" smtClean="0"/>
+          </a:p>
+        </p:txBody>
+      </p:sp>
+      <p:sp>
+        <p:nvSpPr>
+          <p:cNvPr id="7" name="Oval 6"/>
+          <p:cNvSpPr/>
+          <p:nvPr/>
+        </p:nvSpPr>
+        <p:spPr>
+          <a:xfrm>
+            <a:off x="3149842" y="1009844"/>
+            <a:ext cx="1080120" cy="474940"/>
+          </a:xfrm>
+          <a:prstGeom prst="ellipse">
+            <a:avLst/>
+          </a:prstGeom>
+          <a:solidFill>
+            <a:schemeClr val="accent1">
+              <a:lumMod val="60000"/>
+              <a:lumOff val="40000"/>
+            </a:schemeClr>
+          </a:solidFill>
+        </p:spPr>
+        <p:style>
+          <a:lnRef idx="2">
+            <a:schemeClr val="accent1">
+              <a:shade val="50000"/>
+            </a:schemeClr>
+          </a:lnRef>
+          <a:fillRef idx="1">
+            <a:schemeClr val="accent1"/>
+          </a:fillRef>
+          <a:effectRef idx="0">
+            <a:schemeClr val="accent1"/>
+          </a:effectRef>
+          <a:fontRef idx="minor">
+            <a:schemeClr val="lt1"/>
+          </a:fontRef>
+        </p:style>
+        <p:txBody>
+          <a:bodyPr rtlCol="0" anchor="ctr"/>
+          <a:lstStyle/>
+          <a:p>
+            <a:pPr algn="ctr"/>
+            <a:r>
+              <a:rPr lang="en-GB" sz="1200" dirty="0" smtClean="0">
+                <a:solidFill>
+                  <a:schemeClr val="tx1"/>
+                </a:solidFill>
+              </a:rPr>
+              <a:t>Today</a:t>
+            </a:r>
+            <a:endParaRPr lang="en-GB" sz="1100" dirty="0">
+              <a:solidFill>
+                <a:schemeClr val="tx1"/>
+              </a:solidFill>
+            </a:endParaRPr>
+          </a:p>
+        </p:txBody>
+      </p:sp>
+      <p:sp>
+        <p:nvSpPr>
+          <p:cNvPr id="8" name="Oval 7"/>
+          <p:cNvSpPr/>
+          <p:nvPr/>
+        </p:nvSpPr>
+        <p:spPr>
+          <a:xfrm>
+            <a:off x="5130062" y="1009844"/>
+            <a:ext cx="1080120" cy="474940"/>
+          </a:xfrm>
+          <a:prstGeom prst="ellipse">
+            <a:avLst/>
+          </a:prstGeom>
+          <a:solidFill>
+            <a:schemeClr val="accent1">
+              <a:lumMod val="60000"/>
+              <a:lumOff val="40000"/>
+            </a:schemeClr>
+          </a:solidFill>
+        </p:spPr>
+        <p:style>
+          <a:lnRef idx="2">
+            <a:schemeClr val="accent1">
+              <a:shade val="50000"/>
+            </a:schemeClr>
+          </a:lnRef>
+          <a:fillRef idx="1">
+            <a:schemeClr val="accent1"/>
+          </a:fillRef>
+          <a:effectRef idx="0">
+            <a:schemeClr val="accent1"/>
+          </a:effectRef>
+          <a:fontRef idx="minor">
+            <a:schemeClr val="lt1"/>
+          </a:fontRef>
+        </p:style>
+        <p:txBody>
+          <a:bodyPr rtlCol="0" anchor="ctr"/>
+          <a:lstStyle/>
+          <a:p>
+            <a:pPr algn="ctr"/>
+            <a:r>
+              <a:rPr lang="en-GB" sz="1200" dirty="0" smtClean="0">
+                <a:solidFill>
+                  <a:schemeClr val="tx1"/>
+                </a:solidFill>
+              </a:rPr>
+              <a:t>Habits</a:t>
+            </a:r>
+            <a:endParaRPr lang="en-GB" sz="1100" dirty="0">
+              <a:solidFill>
+                <a:schemeClr val="tx1"/>
+              </a:solidFill>
+            </a:endParaRPr>
+          </a:p>
+        </p:txBody>
+      </p:sp>
+      <p:sp>
+        <p:nvSpPr>
+          <p:cNvPr id="9" name="Oval 8"/>
+          <p:cNvSpPr/>
+          <p:nvPr/>
+        </p:nvSpPr>
+        <p:spPr>
+          <a:xfrm>
+            <a:off x="4432176" y="2810044"/>
+            <a:ext cx="495672" cy="474940"/>
+          </a:xfrm>
+          <a:prstGeom prst="ellipse">
+            <a:avLst/>
+          </a:prstGeom>
+          <a:solidFill>
+            <a:srgbClr val="FFC000"/>
+          </a:solidFill>
+        </p:spPr>
+        <p:style>
+          <a:lnRef idx="2">
+            <a:schemeClr val="accent1">
+              <a:shade val="50000"/>
+            </a:schemeClr>
+          </a:lnRef>
+          <a:fillRef idx="1">
+            <a:schemeClr val="accent1"/>
+          </a:fillRef>
+          <a:effectRef idx="0">
+            <a:schemeClr val="accent1"/>
+          </a:effectRef>
+          <a:fontRef idx="minor">
+            <a:schemeClr val="lt1"/>
+          </a:fontRef>
+        </p:style>
+        <p:txBody>
+          <a:bodyPr rtlCol="0" anchor="ctr"/>
+          <a:lstStyle/>
+          <a:p>
+            <a:pPr algn="ctr"/>
+            <a:r>
+              <a:rPr lang="en-GB" sz="2400" dirty="0" smtClean="0">
+                <a:solidFill>
+                  <a:schemeClr val="accent3">
+                    <a:lumMod val="50000"/>
+                  </a:schemeClr>
+                </a:solidFill>
+              </a:rPr>
+              <a:t>➕</a:t>
+            </a:r>
+            <a:endParaRPr lang="en-GB" sz="2400" dirty="0">
+              <a:solidFill>
+                <a:schemeClr val="accent3">
+                  <a:lumMod val="50000"/>
+                </a:schemeClr>
+              </a:solidFill>
+            </a:endParaRPr>
+          </a:p>
+        </p:txBody>
+      </p:sp>
+      <p:sp>
+        <p:nvSpPr>
+          <p:cNvPr id="10" name="Rectangle 9"/>
+          <p:cNvSpPr/>
+          <p:nvPr/>
+        </p:nvSpPr>
+        <p:spPr>
+          <a:xfrm>
+            <a:off x="3689902" y="1700808"/>
+            <a:ext cx="1980220" cy="648072"/>
+          </a:xfrm>
+          <a:prstGeom prst="rect">
+            <a:avLst/>
+          </a:prstGeom>
+          <a:solidFill>
+            <a:srgbClr val="FFC000"/>
+          </a:solidFill>
+        </p:spPr>
+        <p:style>
+          <a:lnRef idx="2">
+            <a:schemeClr val="accent1">
+              <a:shade val="50000"/>
+            </a:schemeClr>
+          </a:lnRef>
+          <a:fillRef idx="1">
+            <a:schemeClr val="accent1"/>
+          </a:fillRef>
+          <a:effectRef idx="0">
+            <a:schemeClr val="accent1"/>
+          </a:effectRef>
+          <a:fontRef idx="minor">
+            <a:schemeClr val="lt1"/>
+          </a:fontRef>
+        </p:style>
+        <p:txBody>
+          <a:bodyPr rtlCol="0" anchor="ctr"/>
+          <a:lstStyle/>
+          <a:p>
+            <a:pPr algn="ctr"/>
+            <a:r>
+              <a:rPr lang="en-GB" sz="1400" dirty="0" smtClean="0">
+                <a:solidFill>
+                  <a:schemeClr val="tx1"/>
+                </a:solidFill>
+              </a:rPr>
+              <a:t>Mediate for 10 minutes every day (12 days left)</a:t>
+            </a:r>
+            <a:endParaRPr lang="en-GB" sz="1400" dirty="0">
+              <a:solidFill>
+                <a:schemeClr val="tx1"/>
+              </a:solidFill>
+            </a:endParaRPr>
+          </a:p>
+        </p:txBody>
+      </p:sp>
+      <p:sp>
+        <p:nvSpPr>
+          <p:cNvPr id="11" name="Rectangle 10"/>
+          <p:cNvSpPr/>
+          <p:nvPr/>
+        </p:nvSpPr>
+        <p:spPr>
+          <a:xfrm>
+            <a:off x="3689902" y="2348880"/>
+            <a:ext cx="1980220" cy="216024"/>
+          </a:xfrm>
+          <a:prstGeom prst="rect">
+            <a:avLst/>
+          </a:prstGeom>
+          <a:solidFill>
+            <a:srgbClr val="FFC000"/>
+          </a:solidFill>
+        </p:spPr>
+        <p:style>
+          <a:lnRef idx="2">
+            <a:schemeClr val="accent1">
+              <a:shade val="50000"/>
+            </a:schemeClr>
+          </a:lnRef>
+          <a:fillRef idx="1">
+            <a:schemeClr val="accent1"/>
+          </a:fillRef>
+          <a:effectRef idx="0">
+            <a:schemeClr val="accent1"/>
+          </a:effectRef>
+          <a:fontRef idx="minor">
+            <a:schemeClr val="lt1"/>
+          </a:fontRef>
+        </p:style>
+        <p:txBody>
+          <a:bodyPr rtlCol="0" anchor="ctr"/>
+          <a:lstStyle/>
+          <a:p>
+            <a:pPr algn="ctr"/>
+            <a:r>
+              <a:rPr lang="en-GB" sz="1400" dirty="0" smtClean="0">
+                <a:solidFill>
+                  <a:srgbClr val="FF0000"/>
+                </a:solidFill>
+              </a:rPr>
+              <a:t>❌</a:t>
+            </a:r>
+            <a:endParaRPr lang="en-GB" sz="1400" dirty="0">
+              <a:solidFill>
+                <a:srgbClr val="FF0000"/>
+              </a:solidFill>
+            </a:endParaRPr>
+          </a:p>
+        </p:txBody>
+      </p:sp>
+      <p:sp>
+        <p:nvSpPr>
+          <p:cNvPr id="12" name="Rectangle 11"/>
+          <p:cNvSpPr/>
+          <p:nvPr/>
+        </p:nvSpPr>
+        <p:spPr>
+          <a:xfrm>
+            <a:off x="2699792" y="5949280"/>
+            <a:ext cx="1980220" cy="648072"/>
+          </a:xfrm>
+          <a:prstGeom prst="rect">
+            <a:avLst/>
+          </a:prstGeom>
+          <a:solidFill>
+            <a:schemeClr val="accent1">
+              <a:lumMod val="60000"/>
+              <a:lumOff val="40000"/>
+            </a:schemeClr>
+          </a:solidFill>
+        </p:spPr>
+        <p:style>
+          <a:lnRef idx="2">
+            <a:schemeClr val="accent1">
+              <a:shade val="50000"/>
+            </a:schemeClr>
+          </a:lnRef>
+          <a:fillRef idx="1">
+            <a:schemeClr val="accent1"/>
+          </a:fillRef>
+          <a:effectRef idx="0">
+            <a:schemeClr val="accent1"/>
+          </a:effectRef>
+          <a:fontRef idx="minor">
+            <a:schemeClr val="lt1"/>
+          </a:fontRef>
+        </p:style>
+        <p:txBody>
+          <a:bodyPr rtlCol="0" anchor="ctr"/>
+          <a:lstStyle/>
+          <a:p>
+            <a:pPr algn="ctr"/>
+            <a:r>
+              <a:rPr lang="en-GB" sz="1400" dirty="0">
+                <a:solidFill>
+                  <a:schemeClr val="tx1"/>
+                </a:solidFill>
+              </a:rPr>
+              <a:t>Inspiration </a:t>
+            </a:r>
+            <a:r>
+              <a:rPr lang="en-GB" sz="1400" dirty="0" smtClean="0">
+                <a:solidFill>
+                  <a:schemeClr val="tx1"/>
+                </a:solidFill>
+              </a:rPr>
+              <a:t>💭</a:t>
+            </a:r>
+            <a:r>
+              <a:rPr lang="en-GB" sz="1400" dirty="0" smtClean="0">
+                <a:solidFill>
+                  <a:schemeClr val="tx1"/>
+                </a:solidFill>
+              </a:rPr>
+              <a:t> </a:t>
+            </a:r>
+            <a:endParaRPr lang="en-GB" sz="1400" dirty="0">
+              <a:solidFill>
+                <a:schemeClr val="tx1"/>
+              </a:solidFill>
+            </a:endParaRPr>
+          </a:p>
+        </p:txBody>
+      </p:sp>
+      <p:sp>
+        <p:nvSpPr>
+          <p:cNvPr id="13" name="Rectangle 12"/>
+          <p:cNvSpPr/>
+          <p:nvPr/>
+        </p:nvSpPr>
+        <p:spPr>
+          <a:xfrm>
+            <a:off x="4680012" y="5949280"/>
+            <a:ext cx="1980220" cy="648072"/>
+          </a:xfrm>
+          <a:prstGeom prst="rect">
+            <a:avLst/>
+          </a:prstGeom>
+          <a:solidFill>
+            <a:schemeClr val="accent1">
+              <a:lumMod val="60000"/>
+              <a:lumOff val="40000"/>
+            </a:schemeClr>
+          </a:solidFill>
+        </p:spPr>
+        <p:style>
+          <a:lnRef idx="2">
+            <a:schemeClr val="accent1">
+              <a:shade val="50000"/>
+            </a:schemeClr>
+          </a:lnRef>
+          <a:fillRef idx="1">
+            <a:schemeClr val="accent1"/>
+          </a:fillRef>
+          <a:effectRef idx="0">
+            <a:schemeClr val="accent1"/>
+          </a:effectRef>
+          <a:fontRef idx="minor">
+            <a:schemeClr val="lt1"/>
+          </a:fontRef>
+        </p:style>
+        <p:txBody>
+          <a:bodyPr rtlCol="0" anchor="ctr"/>
+          <a:lstStyle/>
+          <a:p>
+            <a:pPr algn="ctr"/>
+            <a:r>
+              <a:rPr lang="en-GB" sz="1400" dirty="0" smtClean="0">
+                <a:solidFill>
+                  <a:schemeClr val="tx1"/>
+                </a:solidFill>
+              </a:rPr>
+              <a:t>Achievements </a:t>
+            </a:r>
+            <a:r>
+              <a:rPr lang="en-GB" sz="1400" dirty="0">
+                <a:solidFill>
+                  <a:schemeClr val="tx1"/>
+                </a:solidFill>
+              </a:rPr>
+              <a:t>🏆 </a:t>
+            </a:r>
+            <a:endParaRPr lang="en-GB" sz="1400" dirty="0">
+              <a:solidFill>
+                <a:schemeClr val="tx1"/>
+              </a:solidFill>
+            </a:endParaRPr>
+          </a:p>
+        </p:txBody>
+      </p:sp>
+      <p:sp>
+        <p:nvSpPr>
+          <p:cNvPr id="14" name="Rectangle 13"/>
+          <p:cNvSpPr/>
+          <p:nvPr/>
+        </p:nvSpPr>
+        <p:spPr>
+          <a:xfrm>
+            <a:off x="4355976" y="908720"/>
+            <a:ext cx="2124236" cy="648072"/>
+          </a:xfrm>
+          <a:prstGeom prst="rect">
+            <a:avLst/>
+          </a:prstGeom>
+          <a:solidFill>
+            <a:schemeClr val="bg1"/>
+          </a:solidFill>
+        </p:spPr>
+        <p:style>
+          <a:lnRef idx="2">
+            <a:schemeClr val="accent1">
+              <a:shade val="50000"/>
+            </a:schemeClr>
+          </a:lnRef>
+          <a:fillRef idx="1">
+            <a:schemeClr val="accent1"/>
+          </a:fillRef>
+          <a:effectRef idx="0">
+            <a:schemeClr val="accent1"/>
+          </a:effectRef>
+          <a:fontRef idx="minor">
+            <a:schemeClr val="lt1"/>
+          </a:fontRef>
+        </p:style>
+        <p:txBody>
+          <a:bodyPr rtlCol="0" anchor="ctr"/>
+          <a:lstStyle/>
+          <a:p>
+            <a:pPr algn="ctr"/>
+            <a:r>
+              <a:rPr lang="en-GB" dirty="0" smtClean="0">
+                <a:solidFill>
+                  <a:schemeClr val="tx1"/>
+                </a:solidFill>
+              </a:rPr>
+              <a:t>About </a:t>
+            </a:r>
+            <a:r>
+              <a:rPr lang="en-GB" dirty="0" smtClean="0">
+                <a:solidFill>
+                  <a:schemeClr val="tx1"/>
+                </a:solidFill>
+              </a:rPr>
+              <a:t>🅰</a:t>
+            </a:r>
+          </a:p>
+          <a:p>
+            <a:pPr algn="ctr"/>
+            <a:r>
+              <a:rPr lang="en-GB" dirty="0" smtClean="0">
+                <a:solidFill>
+                  <a:schemeClr val="tx1"/>
+                </a:solidFill>
+              </a:rPr>
+              <a:t>Privacy Policy ℹ</a:t>
+            </a:r>
+            <a:endParaRPr lang="en-GB" dirty="0">
+              <a:solidFill>
+                <a:schemeClr val="tx1"/>
+              </a:solidFill>
+            </a:endParaRPr>
+          </a:p>
+        </p:txBody>
+      </p:sp>
+    </p:spTree>
+    <p:extLst>
+      <p:ext uri="{BB962C8B-B14F-4D97-AF65-F5344CB8AC3E}">
+        <p14:creationId xmlns:p14="http://schemas.microsoft.com/office/powerpoint/2010/main" val="2063151239"/>
       </p:ext>
     </p:extLst>
   </p:cSld>

--- a/UI Ideas.pptx
+++ b/UI Ideas.pptx
@@ -9,8 +9,10 @@
     <p:sldId id="257" r:id="rId3"/>
     <p:sldId id="258" r:id="rId4"/>
     <p:sldId id="260" r:id="rId5"/>
-    <p:sldId id="259" r:id="rId6"/>
-    <p:sldId id="261" r:id="rId7"/>
+    <p:sldId id="262" r:id="rId6"/>
+    <p:sldId id="259" r:id="rId7"/>
+    <p:sldId id="261" r:id="rId8"/>
+    <p:sldId id="263" r:id="rId9"/>
   </p:sldIdLst>
   <p:sldSz cx="9144000" cy="6858000" type="screen4x3"/>
   <p:notesSz cx="6858000" cy="9144000"/>
@@ -4657,7 +4659,11 @@
           <a:p>
             <a:r>
               <a:rPr lang="en-GB" dirty="0" smtClean="0"/>
-              <a:t>New Version</a:t>
+              <a:t>New </a:t>
+            </a:r>
+            <a:r>
+              <a:rPr lang="en-GB" dirty="0" smtClean="0"/>
+              <a:t>Iteration</a:t>
             </a:r>
             <a:endParaRPr lang="en-GB" dirty="0"/>
           </a:p>
@@ -4784,7 +4790,7 @@
       </p:sp>
       <p:sp>
         <p:nvSpPr>
-          <p:cNvPr id="7" name="Oval 6"/>
+          <p:cNvPr id="10" name="Oval 9"/>
           <p:cNvSpPr/>
           <p:nvPr/>
         </p:nvSpPr>
@@ -4825,14 +4831,14 @@
           <a:p>
             <a:pPr algn="ctr"/>
             <a:r>
-              <a:rPr lang="en-GB" sz="1200" dirty="0" smtClean="0">
+              <a:rPr lang="en-GB" sz="1400" b="1" dirty="0" smtClean="0">
                 <a:solidFill>
                   <a:schemeClr val="tx1"/>
                 </a:solidFill>
               </a:rPr>
               <a:t>Today</a:t>
             </a:r>
-            <a:endParaRPr lang="en-GB" sz="1100" dirty="0">
+            <a:endParaRPr lang="en-GB" sz="1200" b="1" dirty="0">
               <a:solidFill>
                 <a:schemeClr val="tx1"/>
               </a:solidFill>
@@ -4842,7 +4848,7 @@
       </p:sp>
       <p:sp>
         <p:nvSpPr>
-          <p:cNvPr id="8" name="Oval 7"/>
+          <p:cNvPr id="14" name="Oval 13"/>
           <p:cNvSpPr/>
           <p:nvPr/>
         </p:nvSpPr>
@@ -4883,14 +4889,14 @@
           <a:p>
             <a:pPr algn="ctr"/>
             <a:r>
-              <a:rPr lang="en-GB" sz="1200" dirty="0" smtClean="0">
+              <a:rPr lang="en-GB" sz="1400" b="1" dirty="0" smtClean="0">
                 <a:solidFill>
                   <a:schemeClr val="tx1"/>
                 </a:solidFill>
               </a:rPr>
               <a:t>Habits</a:t>
             </a:r>
-            <a:endParaRPr lang="en-GB" sz="1100" dirty="0">
+            <a:endParaRPr lang="en-GB" sz="1200" b="1" dirty="0">
               <a:solidFill>
                 <a:schemeClr val="tx1"/>
               </a:solidFill>
@@ -4900,7 +4906,7 @@
       </p:sp>
       <p:sp>
         <p:nvSpPr>
-          <p:cNvPr id="9" name="Oval 8"/>
+          <p:cNvPr id="15" name="Oval 14"/>
           <p:cNvSpPr/>
           <p:nvPr/>
         </p:nvSpPr>
@@ -4940,18 +4946,14 @@
             <a:r>
               <a:rPr lang="en-GB" sz="2400" dirty="0" smtClean="0">
                 <a:solidFill>
-                  <a:schemeClr val="accent3">
-                    <a:lumMod val="50000"/>
-                  </a:schemeClr>
+                  <a:schemeClr val="tx1"/>
                 </a:solidFill>
               </a:rPr>
               <a:t>➕</a:t>
             </a:r>
             <a:endParaRPr lang="en-GB" sz="2400" dirty="0">
               <a:solidFill>
-                <a:schemeClr val="accent3">
-                  <a:lumMod val="50000"/>
-                </a:schemeClr>
+                <a:schemeClr val="tx1"/>
               </a:solidFill>
             </a:endParaRPr>
           </a:p>
@@ -4959,14 +4961,14 @@
       </p:sp>
       <p:sp>
         <p:nvSpPr>
-          <p:cNvPr id="10" name="Rectangle 9"/>
+          <p:cNvPr id="22" name="Rectangle 21"/>
           <p:cNvSpPr/>
           <p:nvPr/>
         </p:nvSpPr>
         <p:spPr>
           <a:xfrm>
-            <a:off x="3689902" y="1700808"/>
-            <a:ext cx="1980220" cy="648072"/>
+            <a:off x="3689902" y="1628800"/>
+            <a:ext cx="1980220" cy="720080"/>
           </a:xfrm>
           <a:prstGeom prst="rect">
             <a:avLst/>
@@ -4997,12 +4999,204 @@
           <a:p>
             <a:pPr algn="ctr"/>
             <a:r>
+              <a:rPr lang="en-GB" sz="1200" dirty="0" smtClean="0">
+                <a:solidFill>
+                  <a:schemeClr val="tx1"/>
+                </a:solidFill>
+              </a:rPr>
+              <a:t>Mediate for 10 minutes every day</a:t>
+            </a:r>
+            <a:endParaRPr lang="en-GB" sz="1200" dirty="0">
+              <a:solidFill>
+                <a:schemeClr val="tx1"/>
+              </a:solidFill>
+            </a:endParaRPr>
+          </a:p>
+        </p:txBody>
+      </p:sp>
+      <p:sp>
+        <p:nvSpPr>
+          <p:cNvPr id="23" name="Rectangle 22"/>
+          <p:cNvSpPr/>
+          <p:nvPr/>
+        </p:nvSpPr>
+        <p:spPr>
+          <a:xfrm>
+            <a:off x="3689902" y="2348880"/>
+            <a:ext cx="1980220" cy="216024"/>
+          </a:xfrm>
+          <a:prstGeom prst="rect">
+            <a:avLst/>
+          </a:prstGeom>
+          <a:solidFill>
+            <a:srgbClr val="FFC000"/>
+          </a:solidFill>
+        </p:spPr>
+        <p:style>
+          <a:lnRef idx="2">
+            <a:schemeClr val="accent1">
+              <a:shade val="50000"/>
+            </a:schemeClr>
+          </a:lnRef>
+          <a:fillRef idx="1">
+            <a:schemeClr val="accent1"/>
+          </a:fillRef>
+          <a:effectRef idx="0">
+            <a:schemeClr val="accent1"/>
+          </a:effectRef>
+          <a:fontRef idx="minor">
+            <a:schemeClr val="lt1"/>
+          </a:fontRef>
+        </p:style>
+        <p:txBody>
+          <a:bodyPr rtlCol="0" anchor="ctr"/>
+          <a:lstStyle/>
+          <a:p>
+            <a:pPr algn="ctr"/>
+            <a:r>
+              <a:rPr lang="en-GB" sz="1400" b="1" dirty="0">
+                <a:solidFill>
+                  <a:srgbClr val="00B050"/>
+                </a:solidFill>
+              </a:rPr>
+              <a:t>✔</a:t>
+            </a:r>
+            <a:endParaRPr lang="en-GB" sz="1400" b="1" dirty="0">
+              <a:solidFill>
+                <a:srgbClr val="00B050"/>
+              </a:solidFill>
+            </a:endParaRPr>
+          </a:p>
+        </p:txBody>
+      </p:sp>
+      <p:sp>
+        <p:nvSpPr>
+          <p:cNvPr id="24" name="Rectangle 23"/>
+          <p:cNvSpPr/>
+          <p:nvPr/>
+        </p:nvSpPr>
+        <p:spPr>
+          <a:xfrm>
+            <a:off x="5436097" y="1632974"/>
+            <a:ext cx="234026" cy="211849"/>
+          </a:xfrm>
+          <a:prstGeom prst="rect">
+            <a:avLst/>
+          </a:prstGeom>
+          <a:solidFill>
+            <a:srgbClr val="FFC000"/>
+          </a:solidFill>
+        </p:spPr>
+        <p:style>
+          <a:lnRef idx="2">
+            <a:schemeClr val="accent1">
+              <a:shade val="50000"/>
+            </a:schemeClr>
+          </a:lnRef>
+          <a:fillRef idx="1">
+            <a:schemeClr val="accent1"/>
+          </a:fillRef>
+          <a:effectRef idx="0">
+            <a:schemeClr val="accent1"/>
+          </a:effectRef>
+          <a:fontRef idx="minor">
+            <a:schemeClr val="lt1"/>
+          </a:fontRef>
+        </p:style>
+        <p:txBody>
+          <a:bodyPr rtlCol="0" anchor="ctr"/>
+          <a:lstStyle/>
+          <a:p>
+            <a:pPr algn="ctr"/>
+            <a:r>
+              <a:rPr lang="en-GB" sz="1200" b="1" dirty="0" smtClean="0">
+                <a:solidFill>
+                  <a:srgbClr val="FF0000"/>
+                </a:solidFill>
+              </a:rPr>
+              <a:t>❌</a:t>
+            </a:r>
+            <a:endParaRPr lang="en-GB" sz="1200" b="1" dirty="0">
+              <a:solidFill>
+                <a:srgbClr val="FF0000"/>
+              </a:solidFill>
+            </a:endParaRPr>
+          </a:p>
+        </p:txBody>
+      </p:sp>
+      <p:sp>
+        <p:nvSpPr>
+          <p:cNvPr id="25" name="Rectangle 24"/>
+          <p:cNvSpPr/>
+          <p:nvPr/>
+        </p:nvSpPr>
+        <p:spPr>
+          <a:xfrm>
+            <a:off x="2699792" y="6165304"/>
+            <a:ext cx="1980220" cy="432048"/>
+          </a:xfrm>
+          <a:prstGeom prst="rect">
+            <a:avLst/>
+          </a:prstGeom>
+          <a:solidFill>
+            <a:schemeClr val="accent1">
+              <a:lumMod val="60000"/>
+              <a:lumOff val="40000"/>
+            </a:schemeClr>
+          </a:solidFill>
+        </p:spPr>
+        <p:style>
+          <a:lnRef idx="2">
+            <a:schemeClr val="accent1">
+              <a:shade val="50000"/>
+            </a:schemeClr>
+          </a:lnRef>
+          <a:fillRef idx="1">
+            <a:schemeClr val="accent1"/>
+          </a:fillRef>
+          <a:effectRef idx="0">
+            <a:schemeClr val="accent1"/>
+          </a:effectRef>
+          <a:fontRef idx="minor">
+            <a:schemeClr val="lt1"/>
+          </a:fontRef>
+        </p:style>
+        <p:txBody>
+          <a:bodyPr rtlCol="0" anchor="ctr"/>
+          <a:lstStyle/>
+          <a:p>
+            <a:pPr algn="ctr"/>
+            <a:r>
+              <a:rPr lang="en-GB" sz="1400" dirty="0">
+                <a:solidFill>
+                  <a:schemeClr val="tx1"/>
+                </a:solidFill>
+              </a:rPr>
+              <a:t>💭 </a:t>
+            </a:r>
+            <a:r>
               <a:rPr lang="en-GB" sz="1400" dirty="0" smtClean="0">
                 <a:solidFill>
                   <a:schemeClr val="tx1"/>
                 </a:solidFill>
               </a:rPr>
-              <a:t>Mediate for 10 minutes every day (12 days left)</a:t>
+              <a:t>  </a:t>
+            </a:r>
+            <a:r>
+              <a:rPr lang="en-GB" sz="1400" b="1" dirty="0" smtClean="0">
+                <a:solidFill>
+                  <a:schemeClr val="tx1"/>
+                </a:solidFill>
+              </a:rPr>
+              <a:t>Inspiration</a:t>
+            </a:r>
+            <a:r>
+              <a:rPr lang="en-GB" sz="1400" dirty="0" smtClean="0">
+                <a:solidFill>
+                  <a:schemeClr val="tx1"/>
+                </a:solidFill>
+              </a:rPr>
+              <a:t>   💭 </a:t>
             </a:r>
             <a:endParaRPr lang="en-GB" sz="1400" dirty="0">
               <a:solidFill>
@@ -5014,20 +5208,23 @@
       </p:sp>
       <p:sp>
         <p:nvSpPr>
-          <p:cNvPr id="11" name="Rectangle 10"/>
+          <p:cNvPr id="26" name="Rectangle 25"/>
           <p:cNvSpPr/>
           <p:nvPr/>
         </p:nvSpPr>
         <p:spPr>
           <a:xfrm>
-            <a:off x="3689902" y="2348880"/>
-            <a:ext cx="1980220" cy="216024"/>
+            <a:off x="4680012" y="6165304"/>
+            <a:ext cx="1980220" cy="432048"/>
           </a:xfrm>
           <a:prstGeom prst="rect">
             <a:avLst/>
           </a:prstGeom>
           <a:solidFill>
-            <a:srgbClr val="FFC000"/>
+            <a:schemeClr val="accent1">
+              <a:lumMod val="60000"/>
+              <a:lumOff val="40000"/>
+            </a:schemeClr>
           </a:solidFill>
         </p:spPr>
         <p:style>
@@ -5052,70 +5249,28 @@
           <a:p>
             <a:pPr algn="ctr"/>
             <a:r>
+              <a:rPr lang="en-GB" sz="1400" dirty="0">
+                <a:solidFill>
+                  <a:schemeClr val="tx1"/>
+                </a:solidFill>
+              </a:rPr>
+              <a:t>🏆 </a:t>
+            </a:r>
+            <a:r>
               <a:rPr lang="en-GB" sz="1400" dirty="0" smtClean="0">
                 <a:solidFill>
-                  <a:srgbClr val="FF0000"/>
-                </a:solidFill>
-              </a:rPr>
-              <a:t>❌</a:t>
-            </a:r>
-            <a:endParaRPr lang="en-GB" sz="1400" dirty="0">
-              <a:solidFill>
-                <a:srgbClr val="FF0000"/>
-              </a:solidFill>
-            </a:endParaRPr>
-          </a:p>
-        </p:txBody>
-      </p:sp>
-      <p:sp>
-        <p:nvSpPr>
-          <p:cNvPr id="12" name="Rectangle 11"/>
-          <p:cNvSpPr/>
-          <p:nvPr/>
-        </p:nvSpPr>
-        <p:spPr>
-          <a:xfrm>
-            <a:off x="2699792" y="5949280"/>
-            <a:ext cx="1980220" cy="648072"/>
-          </a:xfrm>
-          <a:prstGeom prst="rect">
-            <a:avLst/>
-          </a:prstGeom>
-          <a:solidFill>
-            <a:schemeClr val="accent1">
-              <a:lumMod val="60000"/>
-              <a:lumOff val="40000"/>
-            </a:schemeClr>
-          </a:solidFill>
-        </p:spPr>
-        <p:style>
-          <a:lnRef idx="2">
-            <a:schemeClr val="accent1">
-              <a:shade val="50000"/>
-            </a:schemeClr>
-          </a:lnRef>
-          <a:fillRef idx="1">
-            <a:schemeClr val="accent1"/>
-          </a:fillRef>
-          <a:effectRef idx="0">
-            <a:schemeClr val="accent1"/>
-          </a:effectRef>
-          <a:fontRef idx="minor">
-            <a:schemeClr val="lt1"/>
-          </a:fontRef>
-        </p:style>
-        <p:txBody>
-          <a:bodyPr rtlCol="0" anchor="ctr"/>
-          <a:lstStyle/>
-          <a:p>
-            <a:pPr algn="ctr"/>
-            <a:r>
-              <a:rPr lang="en-GB" sz="1400" dirty="0">
-                <a:solidFill>
                   <a:schemeClr val="tx1"/>
                 </a:solidFill>
               </a:rPr>
-              <a:t>Inspiration </a:t>
+              <a:t>   </a:t>
+            </a:r>
+            <a:r>
+              <a:rPr lang="en-GB" sz="1400" b="1" dirty="0" smtClean="0">
+                <a:solidFill>
+                  <a:schemeClr val="tx1"/>
+                </a:solidFill>
+              </a:rPr>
+              <a:t>Achievements</a:t>
             </a:r>
             <a:r>
               <a:rPr lang="en-GB" sz="1400" dirty="0" smtClean="0">
@@ -5123,7 +5278,7 @@
                   <a:schemeClr val="tx1"/>
                 </a:solidFill>
               </a:rPr>
-              <a:t>💭</a:t>
+              <a:t>   </a:t>
             </a:r>
             <a:r>
               <a:rPr lang="en-GB" sz="1400" dirty="0" smtClean="0">
@@ -5131,7 +5286,7 @@
                   <a:schemeClr val="tx1"/>
                 </a:solidFill>
               </a:rPr>
-              <a:t> </a:t>
+              <a:t>🏆 </a:t>
             </a:r>
             <a:endParaRPr lang="en-GB" sz="1400" dirty="0">
               <a:solidFill>
@@ -5143,80 +5298,14 @@
       </p:sp>
       <p:sp>
         <p:nvSpPr>
-          <p:cNvPr id="13" name="Rectangle 12"/>
-          <p:cNvSpPr/>
-          <p:nvPr/>
-        </p:nvSpPr>
-        <p:spPr>
-          <a:xfrm>
-            <a:off x="4680012" y="5949280"/>
-            <a:ext cx="1980220" cy="648072"/>
-          </a:xfrm>
-          <a:prstGeom prst="rect">
-            <a:avLst/>
-          </a:prstGeom>
-          <a:solidFill>
-            <a:schemeClr val="accent1">
-              <a:lumMod val="60000"/>
-              <a:lumOff val="40000"/>
-            </a:schemeClr>
-          </a:solidFill>
-        </p:spPr>
-        <p:style>
-          <a:lnRef idx="2">
-            <a:schemeClr val="accent1">
-              <a:shade val="50000"/>
-            </a:schemeClr>
-          </a:lnRef>
-          <a:fillRef idx="1">
-            <a:schemeClr val="accent1"/>
-          </a:fillRef>
-          <a:effectRef idx="0">
-            <a:schemeClr val="accent1"/>
-          </a:effectRef>
-          <a:fontRef idx="minor">
-            <a:schemeClr val="lt1"/>
-          </a:fontRef>
-        </p:style>
-        <p:txBody>
-          <a:bodyPr rtlCol="0" anchor="ctr"/>
-          <a:lstStyle/>
-          <a:p>
-            <a:pPr algn="ctr"/>
-            <a:r>
-              <a:rPr lang="en-GB" sz="1400" dirty="0" smtClean="0">
-                <a:solidFill>
-                  <a:schemeClr val="tx1"/>
-                </a:solidFill>
-              </a:rPr>
-              <a:t>Achievements </a:t>
-            </a:r>
-            <a:r>
-              <a:rPr lang="en-GB" sz="1400" dirty="0">
-                <a:solidFill>
-                  <a:schemeClr val="tx1"/>
-                </a:solidFill>
-              </a:rPr>
-              <a:t>🏆 </a:t>
-            </a:r>
-            <a:endParaRPr lang="en-GB" sz="1400" dirty="0">
-              <a:solidFill>
-                <a:schemeClr val="tx1"/>
-              </a:solidFill>
-            </a:endParaRPr>
-          </a:p>
-        </p:txBody>
-      </p:sp>
-      <p:sp>
-        <p:nvSpPr>
-          <p:cNvPr id="14" name="TextBox 13"/>
+          <p:cNvPr id="27" name="TextBox 26"/>
           <p:cNvSpPr txBox="1"/>
           <p:nvPr/>
         </p:nvSpPr>
         <p:spPr>
           <a:xfrm>
-            <a:off x="7164288" y="1009844"/>
-            <a:ext cx="1800200" cy="2123658"/>
+            <a:off x="2699792" y="620688"/>
+            <a:ext cx="3960440" cy="276999"/>
           </a:xfrm>
           <a:prstGeom prst="rect">
             <a:avLst/>
@@ -5231,33 +5320,38 @@
           <a:p>
             <a:r>
               <a:rPr lang="en-GB" sz="1200" dirty="0" smtClean="0"/>
-              <a:t>Moved inspiration and achievements to the bottom of the page – More accessible</a:t>
-            </a:r>
-          </a:p>
-          <a:p>
-            <a:endParaRPr lang="en-GB" sz="1200" dirty="0"/>
-          </a:p>
-          <a:p>
+              <a:t>                                      📅 </a:t>
+            </a:r>
+            <a:r>
+              <a:rPr lang="en-GB" sz="1200" b="1" dirty="0"/>
+              <a:t>13/09/2020</a:t>
+            </a:r>
+            <a:r>
+              <a:rPr lang="en-GB" sz="1200" dirty="0"/>
+              <a:t> </a:t>
+            </a:r>
             <a:r>
               <a:rPr lang="en-GB" sz="1200" dirty="0" smtClean="0"/>
-              <a:t>Removed coloured Today and Habits. The buttons are unique which might help users identify them as radio buttons.</a:t>
-            </a:r>
-          </a:p>
-          <a:p>
-            <a:endParaRPr lang="en-GB" sz="1200" dirty="0"/>
-          </a:p>
-        </p:txBody>
-      </p:sp>
-      <p:sp>
-        <p:nvSpPr>
-          <p:cNvPr id="16" name="TextBox 15"/>
+              <a:t>📅                                    </a:t>
+            </a:r>
+            <a:r>
+              <a:rPr lang="en-GB" sz="1200" b="1" dirty="0" smtClean="0"/>
+              <a:t>:</a:t>
+            </a:r>
+            <a:endParaRPr lang="en-GB" sz="1200" b="1" dirty="0" smtClean="0"/>
+          </a:p>
+        </p:txBody>
+      </p:sp>
+      <p:sp>
+        <p:nvSpPr>
+          <p:cNvPr id="3" name="TextBox 2"/>
           <p:cNvSpPr txBox="1"/>
           <p:nvPr/>
         </p:nvSpPr>
         <p:spPr>
           <a:xfrm>
-            <a:off x="2699792" y="620688"/>
-            <a:ext cx="3960440" cy="276999"/>
+            <a:off x="24964" y="45512"/>
+            <a:ext cx="792088" cy="369332"/>
           </a:xfrm>
           <a:prstGeom prst="rect">
             <a:avLst/>
@@ -5270,23 +5364,18 @@
           </a:bodyPr>
           <a:lstStyle/>
           <a:p>
-            <a:pPr algn="ctr"/>
-            <a:r>
-              <a:rPr lang="en-GB" sz="1200" dirty="0" smtClean="0"/>
-              <a:t>11:28                      13/09/2020                      📅                      </a:t>
-            </a:r>
-            <a:r>
-              <a:rPr lang="en-GB" sz="1200" b="1" dirty="0"/>
-              <a:t>:</a:t>
-            </a:r>
-            <a:endParaRPr lang="en-GB" sz="1200" b="1" dirty="0" smtClean="0"/>
+            <a:r>
+              <a:rPr lang="en-GB" dirty="0" smtClean="0"/>
+              <a:t>Today</a:t>
+            </a:r>
+            <a:endParaRPr lang="en-GB" dirty="0"/>
           </a:p>
         </p:txBody>
       </p:sp>
     </p:spTree>
     <p:extLst>
       <p:ext uri="{BB962C8B-B14F-4D97-AF65-F5344CB8AC3E}">
-        <p14:creationId xmlns:p14="http://schemas.microsoft.com/office/powerpoint/2010/main" val="2413958345"/>
+        <p14:creationId xmlns:p14="http://schemas.microsoft.com/office/powerpoint/2010/main" val="2044755308"/>
       </p:ext>
     </p:extLst>
   </p:cSld>
@@ -5404,41 +5493,6 @@
       </p:sp>
       <p:sp>
         <p:nvSpPr>
-          <p:cNvPr id="6" name="TextBox 5"/>
-          <p:cNvSpPr txBox="1"/>
-          <p:nvPr/>
-        </p:nvSpPr>
-        <p:spPr>
-          <a:xfrm>
-            <a:off x="2699792" y="620688"/>
-            <a:ext cx="3960440" cy="276999"/>
-          </a:xfrm>
-          <a:prstGeom prst="rect">
-            <a:avLst/>
-          </a:prstGeom>
-          <a:noFill/>
-        </p:spPr>
-        <p:txBody>
-          <a:bodyPr wrap="square" rtlCol="0">
-            <a:spAutoFit/>
-          </a:bodyPr>
-          <a:lstStyle/>
-          <a:p>
-            <a:pPr algn="ctr"/>
-            <a:r>
-              <a:rPr lang="en-GB" sz="1200" dirty="0" smtClean="0"/>
-              <a:t>11:28                      13/09/2020                      📅                      </a:t>
-            </a:r>
-            <a:r>
-              <a:rPr lang="en-GB" sz="1200" b="1" dirty="0"/>
-              <a:t>:</a:t>
-            </a:r>
-            <a:endParaRPr lang="en-GB" sz="1200" b="1" dirty="0" smtClean="0"/>
-          </a:p>
-        </p:txBody>
-      </p:sp>
-      <p:sp>
-        <p:nvSpPr>
           <p:cNvPr id="7" name="Oval 6"/>
           <p:cNvSpPr/>
           <p:nvPr/>
@@ -5480,14 +5534,14 @@
           <a:p>
             <a:pPr algn="ctr"/>
             <a:r>
-              <a:rPr lang="en-GB" sz="1200" dirty="0" smtClean="0">
+              <a:rPr lang="en-GB" sz="1400" b="1" dirty="0" smtClean="0">
                 <a:solidFill>
                   <a:schemeClr val="tx1"/>
                 </a:solidFill>
               </a:rPr>
               <a:t>Today</a:t>
             </a:r>
-            <a:endParaRPr lang="en-GB" sz="1100" dirty="0">
+            <a:endParaRPr lang="en-GB" sz="1200" b="1" dirty="0">
               <a:solidFill>
                 <a:schemeClr val="tx1"/>
               </a:solidFill>
@@ -5538,14 +5592,14 @@
           <a:p>
             <a:pPr algn="ctr"/>
             <a:r>
-              <a:rPr lang="en-GB" sz="1200" dirty="0" smtClean="0">
+              <a:rPr lang="en-GB" sz="1400" b="1" dirty="0" smtClean="0">
                 <a:solidFill>
                   <a:schemeClr val="tx1"/>
                 </a:solidFill>
               </a:rPr>
               <a:t>Habits</a:t>
             </a:r>
-            <a:endParaRPr lang="en-GB" sz="1100" dirty="0">
+            <a:endParaRPr lang="en-GB" sz="1200" b="1" dirty="0">
               <a:solidFill>
                 <a:schemeClr val="tx1"/>
               </a:solidFill>
@@ -5595,18 +5649,14 @@
             <a:r>
               <a:rPr lang="en-GB" sz="2400" dirty="0" smtClean="0">
                 <a:solidFill>
-                  <a:schemeClr val="accent3">
-                    <a:lumMod val="50000"/>
-                  </a:schemeClr>
+                  <a:schemeClr val="tx1"/>
                 </a:solidFill>
               </a:rPr>
               <a:t>➕</a:t>
             </a:r>
             <a:endParaRPr lang="en-GB" sz="2400" dirty="0">
               <a:solidFill>
-                <a:schemeClr val="accent3">
-                  <a:lumMod val="50000"/>
-                </a:schemeClr>
+                <a:schemeClr val="tx1"/>
               </a:solidFill>
             </a:endParaRPr>
           </a:p>
@@ -5614,14 +5664,14 @@
       </p:sp>
       <p:sp>
         <p:nvSpPr>
-          <p:cNvPr id="10" name="Rectangle 9"/>
+          <p:cNvPr id="20" name="Rectangle 19"/>
           <p:cNvSpPr/>
           <p:nvPr/>
         </p:nvSpPr>
         <p:spPr>
           <a:xfrm>
-            <a:off x="3689902" y="1700808"/>
-            <a:ext cx="1980220" cy="648072"/>
+            <a:off x="3689902" y="1628800"/>
+            <a:ext cx="1980220" cy="720080"/>
           </a:xfrm>
           <a:prstGeom prst="rect">
             <a:avLst/>
@@ -5652,12 +5702,204 @@
           <a:p>
             <a:pPr algn="ctr"/>
             <a:r>
+              <a:rPr lang="en-GB" sz="1200" dirty="0" smtClean="0">
+                <a:solidFill>
+                  <a:schemeClr val="tx1"/>
+                </a:solidFill>
+              </a:rPr>
+              <a:t>Mediate for 10 minutes every day</a:t>
+            </a:r>
+            <a:endParaRPr lang="en-GB" sz="1200" dirty="0">
+              <a:solidFill>
+                <a:schemeClr val="tx1"/>
+              </a:solidFill>
+            </a:endParaRPr>
+          </a:p>
+        </p:txBody>
+      </p:sp>
+      <p:sp>
+        <p:nvSpPr>
+          <p:cNvPr id="21" name="Rectangle 20"/>
+          <p:cNvSpPr/>
+          <p:nvPr/>
+        </p:nvSpPr>
+        <p:spPr>
+          <a:xfrm>
+            <a:off x="3689902" y="2348880"/>
+            <a:ext cx="1980220" cy="216024"/>
+          </a:xfrm>
+          <a:prstGeom prst="rect">
+            <a:avLst/>
+          </a:prstGeom>
+          <a:solidFill>
+            <a:srgbClr val="FFC000"/>
+          </a:solidFill>
+        </p:spPr>
+        <p:style>
+          <a:lnRef idx="2">
+            <a:schemeClr val="accent1">
+              <a:shade val="50000"/>
+            </a:schemeClr>
+          </a:lnRef>
+          <a:fillRef idx="1">
+            <a:schemeClr val="accent1"/>
+          </a:fillRef>
+          <a:effectRef idx="0">
+            <a:schemeClr val="accent1"/>
+          </a:effectRef>
+          <a:fontRef idx="minor">
+            <a:schemeClr val="lt1"/>
+          </a:fontRef>
+        </p:style>
+        <p:txBody>
+          <a:bodyPr rtlCol="0" anchor="ctr"/>
+          <a:lstStyle/>
+          <a:p>
+            <a:pPr algn="ctr"/>
+            <a:r>
+              <a:rPr lang="en-GB" sz="1400" b="1" dirty="0" smtClean="0">
+                <a:solidFill>
+                  <a:srgbClr val="00B050"/>
+                </a:solidFill>
+              </a:rPr>
+              <a:t>12 Days Left</a:t>
+            </a:r>
+            <a:endParaRPr lang="en-GB" sz="1400" b="1" dirty="0">
+              <a:solidFill>
+                <a:srgbClr val="00B050"/>
+              </a:solidFill>
+            </a:endParaRPr>
+          </a:p>
+        </p:txBody>
+      </p:sp>
+      <p:sp>
+        <p:nvSpPr>
+          <p:cNvPr id="22" name="Rectangle 21"/>
+          <p:cNvSpPr/>
+          <p:nvPr/>
+        </p:nvSpPr>
+        <p:spPr>
+          <a:xfrm>
+            <a:off x="5436097" y="1632974"/>
+            <a:ext cx="234026" cy="211849"/>
+          </a:xfrm>
+          <a:prstGeom prst="rect">
+            <a:avLst/>
+          </a:prstGeom>
+          <a:solidFill>
+            <a:srgbClr val="FFC000"/>
+          </a:solidFill>
+        </p:spPr>
+        <p:style>
+          <a:lnRef idx="2">
+            <a:schemeClr val="accent1">
+              <a:shade val="50000"/>
+            </a:schemeClr>
+          </a:lnRef>
+          <a:fillRef idx="1">
+            <a:schemeClr val="accent1"/>
+          </a:fillRef>
+          <a:effectRef idx="0">
+            <a:schemeClr val="accent1"/>
+          </a:effectRef>
+          <a:fontRef idx="minor">
+            <a:schemeClr val="lt1"/>
+          </a:fontRef>
+        </p:style>
+        <p:txBody>
+          <a:bodyPr rtlCol="0" anchor="ctr"/>
+          <a:lstStyle/>
+          <a:p>
+            <a:pPr algn="ctr"/>
+            <a:r>
+              <a:rPr lang="en-GB" sz="1200" b="1" dirty="0" smtClean="0">
+                <a:solidFill>
+                  <a:srgbClr val="FF0000"/>
+                </a:solidFill>
+              </a:rPr>
+              <a:t>❌</a:t>
+            </a:r>
+            <a:endParaRPr lang="en-GB" sz="1200" b="1" dirty="0">
+              <a:solidFill>
+                <a:srgbClr val="FF0000"/>
+              </a:solidFill>
+            </a:endParaRPr>
+          </a:p>
+        </p:txBody>
+      </p:sp>
+      <p:sp>
+        <p:nvSpPr>
+          <p:cNvPr id="23" name="Rectangle 22"/>
+          <p:cNvSpPr/>
+          <p:nvPr/>
+        </p:nvSpPr>
+        <p:spPr>
+          <a:xfrm>
+            <a:off x="2699792" y="6165304"/>
+            <a:ext cx="1980220" cy="432048"/>
+          </a:xfrm>
+          <a:prstGeom prst="rect">
+            <a:avLst/>
+          </a:prstGeom>
+          <a:solidFill>
+            <a:schemeClr val="accent1">
+              <a:lumMod val="60000"/>
+              <a:lumOff val="40000"/>
+            </a:schemeClr>
+          </a:solidFill>
+        </p:spPr>
+        <p:style>
+          <a:lnRef idx="2">
+            <a:schemeClr val="accent1">
+              <a:shade val="50000"/>
+            </a:schemeClr>
+          </a:lnRef>
+          <a:fillRef idx="1">
+            <a:schemeClr val="accent1"/>
+          </a:fillRef>
+          <a:effectRef idx="0">
+            <a:schemeClr val="accent1"/>
+          </a:effectRef>
+          <a:fontRef idx="minor">
+            <a:schemeClr val="lt1"/>
+          </a:fontRef>
+        </p:style>
+        <p:txBody>
+          <a:bodyPr rtlCol="0" anchor="ctr"/>
+          <a:lstStyle/>
+          <a:p>
+            <a:pPr algn="ctr"/>
+            <a:r>
+              <a:rPr lang="en-GB" sz="1400" dirty="0">
+                <a:solidFill>
+                  <a:schemeClr val="tx1"/>
+                </a:solidFill>
+              </a:rPr>
+              <a:t>💭 </a:t>
+            </a:r>
+            <a:r>
               <a:rPr lang="en-GB" sz="1400" dirty="0" smtClean="0">
                 <a:solidFill>
                   <a:schemeClr val="tx1"/>
                 </a:solidFill>
               </a:rPr>
-              <a:t>Mediate for 10 minutes every day (12 days left)</a:t>
+              <a:t>  </a:t>
+            </a:r>
+            <a:r>
+              <a:rPr lang="en-GB" sz="1400" b="1" dirty="0" smtClean="0">
+                <a:solidFill>
+                  <a:schemeClr val="tx1"/>
+                </a:solidFill>
+              </a:rPr>
+              <a:t>Inspiration</a:t>
+            </a:r>
+            <a:r>
+              <a:rPr lang="en-GB" sz="1400" dirty="0" smtClean="0">
+                <a:solidFill>
+                  <a:schemeClr val="tx1"/>
+                </a:solidFill>
+              </a:rPr>
+              <a:t>   💭 </a:t>
             </a:r>
             <a:endParaRPr lang="en-GB" sz="1400" dirty="0">
               <a:solidFill>
@@ -5669,20 +5911,23 @@
       </p:sp>
       <p:sp>
         <p:nvSpPr>
-          <p:cNvPr id="11" name="Rectangle 10"/>
+          <p:cNvPr id="24" name="Rectangle 23"/>
           <p:cNvSpPr/>
           <p:nvPr/>
         </p:nvSpPr>
         <p:spPr>
           <a:xfrm>
-            <a:off x="3689902" y="2348880"/>
-            <a:ext cx="1980220" cy="216024"/>
+            <a:off x="4680012" y="6165304"/>
+            <a:ext cx="1980220" cy="432048"/>
           </a:xfrm>
           <a:prstGeom prst="rect">
             <a:avLst/>
           </a:prstGeom>
           <a:solidFill>
-            <a:srgbClr val="FFC000"/>
+            <a:schemeClr val="accent1">
+              <a:lumMod val="60000"/>
+              <a:lumOff val="40000"/>
+            </a:schemeClr>
           </a:solidFill>
         </p:spPr>
         <p:style>
@@ -5707,16 +5952,48 @@
           <a:p>
             <a:pPr algn="ctr"/>
             <a:r>
+              <a:rPr lang="en-GB" sz="1400" dirty="0">
+                <a:solidFill>
+                  <a:schemeClr val="tx1"/>
+                </a:solidFill>
+              </a:rPr>
+              <a:t>🏆 </a:t>
+            </a:r>
+            <a:r>
               <a:rPr lang="en-GB" sz="1400" dirty="0" smtClean="0">
                 <a:solidFill>
-                  <a:srgbClr val="FF0000"/>
-                </a:solidFill>
-              </a:rPr>
-              <a:t>❌</a:t>
+                  <a:schemeClr val="tx1"/>
+                </a:solidFill>
+              </a:rPr>
+              <a:t>   </a:t>
+            </a:r>
+            <a:r>
+              <a:rPr lang="en-GB" sz="1400" b="1" dirty="0" smtClean="0">
+                <a:solidFill>
+                  <a:schemeClr val="tx1"/>
+                </a:solidFill>
+              </a:rPr>
+              <a:t>Achievements</a:t>
+            </a:r>
+            <a:r>
+              <a:rPr lang="en-GB" sz="1400" dirty="0" smtClean="0">
+                <a:solidFill>
+                  <a:schemeClr val="tx1"/>
+                </a:solidFill>
+              </a:rPr>
+              <a:t>   </a:t>
+            </a:r>
+            <a:r>
+              <a:rPr lang="en-GB" sz="1400" dirty="0" smtClean="0">
+                <a:solidFill>
+                  <a:schemeClr val="tx1"/>
+                </a:solidFill>
+              </a:rPr>
+              <a:t>🏆 </a:t>
             </a:r>
             <a:endParaRPr lang="en-GB" sz="1400" dirty="0">
               <a:solidFill>
-                <a:srgbClr val="FF0000"/>
+                <a:schemeClr val="tx1"/>
               </a:solidFill>
             </a:endParaRPr>
           </a:p>
@@ -5724,24 +6001,134 @@
       </p:sp>
       <p:sp>
         <p:nvSpPr>
-          <p:cNvPr id="12" name="Rectangle 11"/>
+          <p:cNvPr id="25" name="TextBox 24"/>
+          <p:cNvSpPr txBox="1"/>
+          <p:nvPr/>
+        </p:nvSpPr>
+        <p:spPr>
+          <a:xfrm>
+            <a:off x="2699792" y="620688"/>
+            <a:ext cx="3960440" cy="276999"/>
+          </a:xfrm>
+          <a:prstGeom prst="rect">
+            <a:avLst/>
+          </a:prstGeom>
+          <a:noFill/>
+        </p:spPr>
+        <p:txBody>
+          <a:bodyPr wrap="square" rtlCol="0">
+            <a:spAutoFit/>
+          </a:bodyPr>
+          <a:lstStyle/>
+          <a:p>
+            <a:r>
+              <a:rPr lang="en-GB" sz="1200" dirty="0" smtClean="0"/>
+              <a:t>                                      📅 </a:t>
+            </a:r>
+            <a:r>
+              <a:rPr lang="en-GB" sz="1200" b="1" dirty="0"/>
+              <a:t>13/09/2020</a:t>
+            </a:r>
+            <a:r>
+              <a:rPr lang="en-GB" sz="1200" dirty="0"/>
+              <a:t> </a:t>
+            </a:r>
+            <a:r>
+              <a:rPr lang="en-GB" sz="1200" dirty="0" smtClean="0"/>
+              <a:t>📅                                    </a:t>
+            </a:r>
+            <a:r>
+              <a:rPr lang="en-GB" sz="1200" b="1" dirty="0" smtClean="0"/>
+              <a:t>:</a:t>
+            </a:r>
+            <a:endParaRPr lang="en-GB" sz="1200" b="1" dirty="0" smtClean="0"/>
+          </a:p>
+        </p:txBody>
+      </p:sp>
+      <p:sp>
+        <p:nvSpPr>
+          <p:cNvPr id="26" name="TextBox 25"/>
+          <p:cNvSpPr txBox="1"/>
+          <p:nvPr/>
+        </p:nvSpPr>
+        <p:spPr>
+          <a:xfrm>
+            <a:off x="24964" y="45512"/>
+            <a:ext cx="792088" cy="369332"/>
+          </a:xfrm>
+          <a:prstGeom prst="rect">
+            <a:avLst/>
+          </a:prstGeom>
+          <a:noFill/>
+        </p:spPr>
+        <p:txBody>
+          <a:bodyPr wrap="square" rtlCol="0">
+            <a:spAutoFit/>
+          </a:bodyPr>
+          <a:lstStyle/>
+          <a:p>
+            <a:r>
+              <a:rPr lang="en-GB" dirty="0" smtClean="0"/>
+              <a:t>Habits</a:t>
+            </a:r>
+            <a:endParaRPr lang="en-GB" dirty="0"/>
+          </a:p>
+        </p:txBody>
+      </p:sp>
+    </p:spTree>
+    <p:extLst>
+      <p:ext uri="{BB962C8B-B14F-4D97-AF65-F5344CB8AC3E}">
+        <p14:creationId xmlns:p14="http://schemas.microsoft.com/office/powerpoint/2010/main" val="2413958345"/>
+      </p:ext>
+    </p:extLst>
+  </p:cSld>
+  <p:clrMapOvr>
+    <a:masterClrMapping/>
+  </p:clrMapOvr>
+</p:sld>
+</file>
+
+<file path=ppt/slides/slide7.xml><?xml version="1.0" encoding="utf-8"?>
+<p:sld xmlns:a="http://schemas.openxmlformats.org/drawingml/2006/main" xmlns:r="http://schemas.openxmlformats.org/officeDocument/2006/relationships" xmlns:p="http://schemas.openxmlformats.org/presentationml/2006/main">
+  <p:cSld>
+    <p:spTree>
+      <p:nvGrpSpPr>
+        <p:cNvPr id="1" name=""/>
+        <p:cNvGrpSpPr/>
+        <p:nvPr/>
+      </p:nvGrpSpPr>
+      <p:grpSpPr>
+        <a:xfrm>
+          <a:off x="0" y="0"/>
+          <a:ext cx="0" cy="0"/>
+          <a:chOff x="0" y="0"/>
+          <a:chExt cx="0" cy="0"/>
+        </a:xfrm>
+      </p:grpSpPr>
+      <p:sp>
+        <p:nvSpPr>
+          <p:cNvPr id="4" name="Rectangle 3"/>
           <p:cNvSpPr/>
           <p:nvPr/>
         </p:nvSpPr>
         <p:spPr>
           <a:xfrm>
-            <a:off x="2699792" y="5949280"/>
-            <a:ext cx="1980220" cy="648072"/>
+            <a:off x="2699792" y="188640"/>
+            <a:ext cx="3960440" cy="6408712"/>
           </a:xfrm>
           <a:prstGeom prst="rect">
             <a:avLst/>
           </a:prstGeom>
           <a:solidFill>
-            <a:schemeClr val="accent1">
-              <a:lumMod val="60000"/>
-              <a:lumOff val="40000"/>
-            </a:schemeClr>
-          </a:solidFill>
+            <a:srgbClr val="F7F9A5"/>
+          </a:solidFill>
+          <a:ln>
+            <a:solidFill>
+              <a:schemeClr val="accent1">
+                <a:shade val="50000"/>
+              </a:schemeClr>
+            </a:solidFill>
+          </a:ln>
         </p:spPr>
         <p:style>
           <a:lnRef idx="2">
@@ -5764,13 +6151,500 @@
           <a:lstStyle/>
           <a:p>
             <a:pPr algn="ctr"/>
+            <a:endParaRPr lang="en-GB"/>
+          </a:p>
+        </p:txBody>
+      </p:sp>
+      <p:sp>
+        <p:nvSpPr>
+          <p:cNvPr id="5" name="TextBox 4"/>
+          <p:cNvSpPr txBox="1"/>
+          <p:nvPr/>
+        </p:nvSpPr>
+        <p:spPr>
+          <a:xfrm>
+            <a:off x="2699792" y="251356"/>
+            <a:ext cx="3960440" cy="369332"/>
+          </a:xfrm>
+          <a:prstGeom prst="rect">
+            <a:avLst/>
+          </a:prstGeom>
+          <a:noFill/>
+        </p:spPr>
+        <p:txBody>
+          <a:bodyPr wrap="square" rtlCol="0">
+            <a:spAutoFit/>
+          </a:bodyPr>
+          <a:lstStyle/>
+          <a:p>
+            <a:pPr algn="ctr"/>
+            <a:r>
+              <a:rPr lang="en-GB" b="1" dirty="0" smtClean="0"/>
+              <a:t>Take That 1</a:t>
+            </a:r>
+            <a:r>
+              <a:rPr lang="en-GB" b="1" baseline="30000" dirty="0" smtClean="0"/>
+              <a:t>st</a:t>
+            </a:r>
+            <a:r>
+              <a:rPr lang="en-GB" b="1" dirty="0" smtClean="0"/>
+              <a:t> Step</a:t>
+            </a:r>
+            <a:endParaRPr lang="en-GB" b="1" dirty="0"/>
+          </a:p>
+        </p:txBody>
+      </p:sp>
+      <p:sp>
+        <p:nvSpPr>
+          <p:cNvPr id="7" name="Oval 6"/>
+          <p:cNvSpPr/>
+          <p:nvPr/>
+        </p:nvSpPr>
+        <p:spPr>
+          <a:xfrm>
+            <a:off x="3149842" y="1009844"/>
+            <a:ext cx="1080120" cy="474940"/>
+          </a:xfrm>
+          <a:prstGeom prst="ellipse">
+            <a:avLst/>
+          </a:prstGeom>
+          <a:solidFill>
+            <a:schemeClr val="accent1">
+              <a:lumMod val="60000"/>
+              <a:lumOff val="40000"/>
+            </a:schemeClr>
+          </a:solidFill>
+        </p:spPr>
+        <p:style>
+          <a:lnRef idx="2">
+            <a:schemeClr val="accent1">
+              <a:shade val="50000"/>
+            </a:schemeClr>
+          </a:lnRef>
+          <a:fillRef idx="1">
+            <a:schemeClr val="accent1"/>
+          </a:fillRef>
+          <a:effectRef idx="0">
+            <a:schemeClr val="accent1"/>
+          </a:effectRef>
+          <a:fontRef idx="minor">
+            <a:schemeClr val="lt1"/>
+          </a:fontRef>
+        </p:style>
+        <p:txBody>
+          <a:bodyPr rtlCol="0" anchor="ctr"/>
+          <a:lstStyle/>
+          <a:p>
+            <a:pPr algn="ctr"/>
+            <a:r>
+              <a:rPr lang="en-GB" sz="1400" b="1" dirty="0" smtClean="0">
+                <a:solidFill>
+                  <a:schemeClr val="tx1"/>
+                </a:solidFill>
+              </a:rPr>
+              <a:t>Today</a:t>
+            </a:r>
+            <a:endParaRPr lang="en-GB" sz="1200" b="1" dirty="0">
+              <a:solidFill>
+                <a:schemeClr val="tx1"/>
+              </a:solidFill>
+            </a:endParaRPr>
+          </a:p>
+        </p:txBody>
+      </p:sp>
+      <p:sp>
+        <p:nvSpPr>
+          <p:cNvPr id="8" name="Oval 7"/>
+          <p:cNvSpPr/>
+          <p:nvPr/>
+        </p:nvSpPr>
+        <p:spPr>
+          <a:xfrm>
+            <a:off x="5130062" y="1009844"/>
+            <a:ext cx="1080120" cy="474940"/>
+          </a:xfrm>
+          <a:prstGeom prst="ellipse">
+            <a:avLst/>
+          </a:prstGeom>
+          <a:solidFill>
+            <a:schemeClr val="accent1">
+              <a:lumMod val="60000"/>
+              <a:lumOff val="40000"/>
+            </a:schemeClr>
+          </a:solidFill>
+        </p:spPr>
+        <p:style>
+          <a:lnRef idx="2">
+            <a:schemeClr val="accent1">
+              <a:shade val="50000"/>
+            </a:schemeClr>
+          </a:lnRef>
+          <a:fillRef idx="1">
+            <a:schemeClr val="accent1"/>
+          </a:fillRef>
+          <a:effectRef idx="0">
+            <a:schemeClr val="accent1"/>
+          </a:effectRef>
+          <a:fontRef idx="minor">
+            <a:schemeClr val="lt1"/>
+          </a:fontRef>
+        </p:style>
+        <p:txBody>
+          <a:bodyPr rtlCol="0" anchor="ctr"/>
+          <a:lstStyle/>
+          <a:p>
+            <a:pPr algn="ctr"/>
+            <a:r>
+              <a:rPr lang="en-GB" sz="1400" b="1" dirty="0" smtClean="0">
+                <a:solidFill>
+                  <a:schemeClr val="tx1"/>
+                </a:solidFill>
+              </a:rPr>
+              <a:t>Habits</a:t>
+            </a:r>
+            <a:endParaRPr lang="en-GB" sz="1200" b="1" dirty="0">
+              <a:solidFill>
+                <a:schemeClr val="tx1"/>
+              </a:solidFill>
+            </a:endParaRPr>
+          </a:p>
+        </p:txBody>
+      </p:sp>
+      <p:sp>
+        <p:nvSpPr>
+          <p:cNvPr id="9" name="Oval 8"/>
+          <p:cNvSpPr/>
+          <p:nvPr/>
+        </p:nvSpPr>
+        <p:spPr>
+          <a:xfrm>
+            <a:off x="4432176" y="2810044"/>
+            <a:ext cx="495672" cy="474940"/>
+          </a:xfrm>
+          <a:prstGeom prst="ellipse">
+            <a:avLst/>
+          </a:prstGeom>
+          <a:solidFill>
+            <a:srgbClr val="FFC000"/>
+          </a:solidFill>
+        </p:spPr>
+        <p:style>
+          <a:lnRef idx="2">
+            <a:schemeClr val="accent1">
+              <a:shade val="50000"/>
+            </a:schemeClr>
+          </a:lnRef>
+          <a:fillRef idx="1">
+            <a:schemeClr val="accent1"/>
+          </a:fillRef>
+          <a:effectRef idx="0">
+            <a:schemeClr val="accent1"/>
+          </a:effectRef>
+          <a:fontRef idx="minor">
+            <a:schemeClr val="lt1"/>
+          </a:fontRef>
+        </p:style>
+        <p:txBody>
+          <a:bodyPr rtlCol="0" anchor="ctr"/>
+          <a:lstStyle/>
+          <a:p>
+            <a:pPr algn="ctr"/>
+            <a:r>
+              <a:rPr lang="en-GB" sz="2400" dirty="0" smtClean="0">
+                <a:solidFill>
+                  <a:schemeClr val="tx1"/>
+                </a:solidFill>
+              </a:rPr>
+              <a:t>➕</a:t>
+            </a:r>
+            <a:endParaRPr lang="en-GB" sz="2400" dirty="0">
+              <a:solidFill>
+                <a:schemeClr val="tx1"/>
+              </a:solidFill>
+            </a:endParaRPr>
+          </a:p>
+        </p:txBody>
+      </p:sp>
+      <p:sp>
+        <p:nvSpPr>
+          <p:cNvPr id="14" name="Rectangle 13"/>
+          <p:cNvSpPr/>
+          <p:nvPr/>
+        </p:nvSpPr>
+        <p:spPr>
+          <a:xfrm>
+            <a:off x="4463988" y="898227"/>
+            <a:ext cx="2124236" cy="648072"/>
+          </a:xfrm>
+          <a:prstGeom prst="rect">
+            <a:avLst/>
+          </a:prstGeom>
+          <a:solidFill>
+            <a:schemeClr val="bg1"/>
+          </a:solidFill>
+        </p:spPr>
+        <p:style>
+          <a:lnRef idx="2">
+            <a:schemeClr val="accent1">
+              <a:shade val="50000"/>
+            </a:schemeClr>
+          </a:lnRef>
+          <a:fillRef idx="1">
+            <a:schemeClr val="accent1"/>
+          </a:fillRef>
+          <a:effectRef idx="0">
+            <a:schemeClr val="accent1"/>
+          </a:effectRef>
+          <a:fontRef idx="minor">
+            <a:schemeClr val="lt1"/>
+          </a:fontRef>
+        </p:style>
+        <p:txBody>
+          <a:bodyPr rtlCol="0" anchor="ctr"/>
+          <a:lstStyle/>
+          <a:p>
+            <a:pPr algn="ctr"/>
+            <a:r>
+              <a:rPr lang="en-GB" dirty="0" smtClean="0">
+                <a:solidFill>
+                  <a:schemeClr val="tx1"/>
+                </a:solidFill>
+              </a:rPr>
+              <a:t>About 🅰</a:t>
+            </a:r>
+          </a:p>
+          <a:p>
+            <a:pPr algn="ctr"/>
+            <a:r>
+              <a:rPr lang="en-GB" dirty="0" smtClean="0">
+                <a:solidFill>
+                  <a:schemeClr val="tx1"/>
+                </a:solidFill>
+              </a:rPr>
+              <a:t>Privacy Policy ℹ</a:t>
+            </a:r>
+            <a:endParaRPr lang="en-GB" dirty="0">
+              <a:solidFill>
+                <a:schemeClr val="tx1"/>
+              </a:solidFill>
+            </a:endParaRPr>
+          </a:p>
+        </p:txBody>
+      </p:sp>
+      <p:sp>
+        <p:nvSpPr>
+          <p:cNvPr id="17" name="Rectangle 16"/>
+          <p:cNvSpPr/>
+          <p:nvPr/>
+        </p:nvSpPr>
+        <p:spPr>
+          <a:xfrm>
+            <a:off x="3689902" y="1628800"/>
+            <a:ext cx="1980220" cy="720080"/>
+          </a:xfrm>
+          <a:prstGeom prst="rect">
+            <a:avLst/>
+          </a:prstGeom>
+          <a:solidFill>
+            <a:srgbClr val="FFC000"/>
+          </a:solidFill>
+        </p:spPr>
+        <p:style>
+          <a:lnRef idx="2">
+            <a:schemeClr val="accent1">
+              <a:shade val="50000"/>
+            </a:schemeClr>
+          </a:lnRef>
+          <a:fillRef idx="1">
+            <a:schemeClr val="accent1"/>
+          </a:fillRef>
+          <a:effectRef idx="0">
+            <a:schemeClr val="accent1"/>
+          </a:effectRef>
+          <a:fontRef idx="minor">
+            <a:schemeClr val="lt1"/>
+          </a:fontRef>
+        </p:style>
+        <p:txBody>
+          <a:bodyPr rtlCol="0" anchor="ctr"/>
+          <a:lstStyle/>
+          <a:p>
+            <a:pPr algn="ctr"/>
+            <a:r>
+              <a:rPr lang="en-GB" sz="1200" dirty="0" smtClean="0">
+                <a:solidFill>
+                  <a:schemeClr val="tx1"/>
+                </a:solidFill>
+              </a:rPr>
+              <a:t>Mediate for 10 minutes every day</a:t>
+            </a:r>
+            <a:endParaRPr lang="en-GB" sz="1200" dirty="0">
+              <a:solidFill>
+                <a:schemeClr val="tx1"/>
+              </a:solidFill>
+            </a:endParaRPr>
+          </a:p>
+        </p:txBody>
+      </p:sp>
+      <p:sp>
+        <p:nvSpPr>
+          <p:cNvPr id="18" name="Rectangle 17"/>
+          <p:cNvSpPr/>
+          <p:nvPr/>
+        </p:nvSpPr>
+        <p:spPr>
+          <a:xfrm>
+            <a:off x="3689902" y="2348880"/>
+            <a:ext cx="1980220" cy="216024"/>
+          </a:xfrm>
+          <a:prstGeom prst="rect">
+            <a:avLst/>
+          </a:prstGeom>
+          <a:solidFill>
+            <a:srgbClr val="FFC000"/>
+          </a:solidFill>
+        </p:spPr>
+        <p:style>
+          <a:lnRef idx="2">
+            <a:schemeClr val="accent1">
+              <a:shade val="50000"/>
+            </a:schemeClr>
+          </a:lnRef>
+          <a:fillRef idx="1">
+            <a:schemeClr val="accent1"/>
+          </a:fillRef>
+          <a:effectRef idx="0">
+            <a:schemeClr val="accent1"/>
+          </a:effectRef>
+          <a:fontRef idx="minor">
+            <a:schemeClr val="lt1"/>
+          </a:fontRef>
+        </p:style>
+        <p:txBody>
+          <a:bodyPr rtlCol="0" anchor="ctr"/>
+          <a:lstStyle/>
+          <a:p>
+            <a:pPr algn="ctr"/>
+            <a:r>
+              <a:rPr lang="en-GB" sz="1400" b="1" dirty="0" smtClean="0">
+                <a:solidFill>
+                  <a:srgbClr val="00B050"/>
+                </a:solidFill>
+              </a:rPr>
+              <a:t>12 Days Left</a:t>
+            </a:r>
+            <a:endParaRPr lang="en-GB" sz="1400" b="1" dirty="0">
+              <a:solidFill>
+                <a:srgbClr val="00B050"/>
+              </a:solidFill>
+            </a:endParaRPr>
+          </a:p>
+        </p:txBody>
+      </p:sp>
+      <p:sp>
+        <p:nvSpPr>
+          <p:cNvPr id="19" name="Rectangle 18"/>
+          <p:cNvSpPr/>
+          <p:nvPr/>
+        </p:nvSpPr>
+        <p:spPr>
+          <a:xfrm>
+            <a:off x="5436097" y="1632974"/>
+            <a:ext cx="234026" cy="211849"/>
+          </a:xfrm>
+          <a:prstGeom prst="rect">
+            <a:avLst/>
+          </a:prstGeom>
+          <a:solidFill>
+            <a:srgbClr val="FFC000"/>
+          </a:solidFill>
+        </p:spPr>
+        <p:style>
+          <a:lnRef idx="2">
+            <a:schemeClr val="accent1">
+              <a:shade val="50000"/>
+            </a:schemeClr>
+          </a:lnRef>
+          <a:fillRef idx="1">
+            <a:schemeClr val="accent1"/>
+          </a:fillRef>
+          <a:effectRef idx="0">
+            <a:schemeClr val="accent1"/>
+          </a:effectRef>
+          <a:fontRef idx="minor">
+            <a:schemeClr val="lt1"/>
+          </a:fontRef>
+        </p:style>
+        <p:txBody>
+          <a:bodyPr rtlCol="0" anchor="ctr"/>
+          <a:lstStyle/>
+          <a:p>
+            <a:pPr algn="ctr"/>
+            <a:r>
+              <a:rPr lang="en-GB" sz="1200" b="1" dirty="0" smtClean="0">
+                <a:solidFill>
+                  <a:srgbClr val="FF0000"/>
+                </a:solidFill>
+              </a:rPr>
+              <a:t>❌</a:t>
+            </a:r>
+            <a:endParaRPr lang="en-GB" sz="1200" b="1" dirty="0">
+              <a:solidFill>
+                <a:srgbClr val="FF0000"/>
+              </a:solidFill>
+            </a:endParaRPr>
+          </a:p>
+        </p:txBody>
+      </p:sp>
+      <p:sp>
+        <p:nvSpPr>
+          <p:cNvPr id="20" name="Rectangle 19"/>
+          <p:cNvSpPr/>
+          <p:nvPr/>
+        </p:nvSpPr>
+        <p:spPr>
+          <a:xfrm>
+            <a:off x="2699792" y="6165304"/>
+            <a:ext cx="1980220" cy="432048"/>
+          </a:xfrm>
+          <a:prstGeom prst="rect">
+            <a:avLst/>
+          </a:prstGeom>
+          <a:solidFill>
+            <a:schemeClr val="accent1">
+              <a:lumMod val="60000"/>
+              <a:lumOff val="40000"/>
+            </a:schemeClr>
+          </a:solidFill>
+        </p:spPr>
+        <p:style>
+          <a:lnRef idx="2">
+            <a:schemeClr val="accent1">
+              <a:shade val="50000"/>
+            </a:schemeClr>
+          </a:lnRef>
+          <a:fillRef idx="1">
+            <a:schemeClr val="accent1"/>
+          </a:fillRef>
+          <a:effectRef idx="0">
+            <a:schemeClr val="accent1"/>
+          </a:effectRef>
+          <a:fontRef idx="minor">
+            <a:schemeClr val="lt1"/>
+          </a:fontRef>
+        </p:style>
+        <p:txBody>
+          <a:bodyPr rtlCol="0" anchor="ctr"/>
+          <a:lstStyle/>
+          <a:p>
+            <a:pPr algn="ctr"/>
             <a:r>
               <a:rPr lang="en-GB" sz="1400" dirty="0">
                 <a:solidFill>
                   <a:schemeClr val="tx1"/>
                 </a:solidFill>
               </a:rPr>
-              <a:t>Inspiration </a:t>
+              <a:t>💭 </a:t>
             </a:r>
             <a:r>
               <a:rPr lang="en-GB" sz="1400" dirty="0" smtClean="0">
@@ -5778,7 +6652,15 @@
                   <a:schemeClr val="tx1"/>
                 </a:solidFill>
               </a:rPr>
-              <a:t>💭</a:t>
+              <a:t>  </a:t>
+            </a:r>
+            <a:r>
+              <a:rPr lang="en-GB" sz="1400" b="1" dirty="0" smtClean="0">
+                <a:solidFill>
+                  <a:schemeClr val="tx1"/>
+                </a:solidFill>
+              </a:rPr>
+              <a:t>Inspiration</a:t>
             </a:r>
             <a:r>
               <a:rPr lang="en-GB" sz="1400" dirty="0" smtClean="0">
@@ -5786,7 +6668,7 @@
                   <a:schemeClr val="tx1"/>
                 </a:solidFill>
               </a:rPr>
-              <a:t> </a:t>
+              <a:t>   💭 </a:t>
             </a:r>
             <a:endParaRPr lang="en-GB" sz="1400" dirty="0">
               <a:solidFill>
@@ -5798,14 +6680,14 @@
       </p:sp>
       <p:sp>
         <p:nvSpPr>
-          <p:cNvPr id="13" name="Rectangle 12"/>
+          <p:cNvPr id="21" name="Rectangle 20"/>
           <p:cNvSpPr/>
           <p:nvPr/>
         </p:nvSpPr>
         <p:spPr>
           <a:xfrm>
-            <a:off x="4680012" y="5949280"/>
-            <a:ext cx="1980220" cy="648072"/>
+            <a:off x="4680012" y="6165304"/>
+            <a:ext cx="1980220" cy="432048"/>
           </a:xfrm>
           <a:prstGeom prst="rect">
             <a:avLst/>
@@ -5839,15 +6721,39 @@
           <a:p>
             <a:pPr algn="ctr"/>
             <a:r>
+              <a:rPr lang="en-GB" sz="1400" dirty="0">
+                <a:solidFill>
+                  <a:schemeClr val="tx1"/>
+                </a:solidFill>
+              </a:rPr>
+              <a:t>🏆 </a:t>
+            </a:r>
+            <a:r>
               <a:rPr lang="en-GB" sz="1400" dirty="0" smtClean="0">
                 <a:solidFill>
                   <a:schemeClr val="tx1"/>
                 </a:solidFill>
               </a:rPr>
-              <a:t>Achievements </a:t>
-            </a:r>
-            <a:r>
-              <a:rPr lang="en-GB" sz="1400" dirty="0">
+              <a:t>   </a:t>
+            </a:r>
+            <a:r>
+              <a:rPr lang="en-GB" sz="1400" b="1" dirty="0" smtClean="0">
+                <a:solidFill>
+                  <a:schemeClr val="tx1"/>
+                </a:solidFill>
+              </a:rPr>
+              <a:t>Achievements</a:t>
+            </a:r>
+            <a:r>
+              <a:rPr lang="en-GB" sz="1400" dirty="0" smtClean="0">
+                <a:solidFill>
+                  <a:schemeClr val="tx1"/>
+                </a:solidFill>
+              </a:rPr>
+              <a:t>   </a:t>
+            </a:r>
+            <a:r>
+              <a:rPr lang="en-GB" sz="1400" dirty="0" smtClean="0">
                 <a:solidFill>
                   <a:schemeClr val="tx1"/>
                 </a:solidFill>
@@ -5864,21 +6770,134 @@
       </p:sp>
       <p:sp>
         <p:nvSpPr>
-          <p:cNvPr id="14" name="Rectangle 13"/>
+          <p:cNvPr id="22" name="TextBox 21"/>
+          <p:cNvSpPr txBox="1"/>
+          <p:nvPr/>
+        </p:nvSpPr>
+        <p:spPr>
+          <a:xfrm>
+            <a:off x="2699792" y="620688"/>
+            <a:ext cx="3960440" cy="276999"/>
+          </a:xfrm>
+          <a:prstGeom prst="rect">
+            <a:avLst/>
+          </a:prstGeom>
+          <a:noFill/>
+        </p:spPr>
+        <p:txBody>
+          <a:bodyPr wrap="square" rtlCol="0">
+            <a:spAutoFit/>
+          </a:bodyPr>
+          <a:lstStyle/>
+          <a:p>
+            <a:r>
+              <a:rPr lang="en-GB" sz="1200" dirty="0" smtClean="0"/>
+              <a:t>                                      📅 </a:t>
+            </a:r>
+            <a:r>
+              <a:rPr lang="en-GB" sz="1200" b="1" dirty="0"/>
+              <a:t>13/09/2020</a:t>
+            </a:r>
+            <a:r>
+              <a:rPr lang="en-GB" sz="1200" dirty="0"/>
+              <a:t> </a:t>
+            </a:r>
+            <a:r>
+              <a:rPr lang="en-GB" sz="1200" dirty="0" smtClean="0"/>
+              <a:t>📅                                    </a:t>
+            </a:r>
+            <a:r>
+              <a:rPr lang="en-GB" sz="1200" b="1" dirty="0" smtClean="0"/>
+              <a:t>:</a:t>
+            </a:r>
+            <a:endParaRPr lang="en-GB" sz="1200" b="1" dirty="0" smtClean="0"/>
+          </a:p>
+        </p:txBody>
+      </p:sp>
+      <p:sp>
+        <p:nvSpPr>
+          <p:cNvPr id="23" name="TextBox 22"/>
+          <p:cNvSpPr txBox="1"/>
+          <p:nvPr/>
+        </p:nvSpPr>
+        <p:spPr>
+          <a:xfrm>
+            <a:off x="24964" y="45512"/>
+            <a:ext cx="792088" cy="369332"/>
+          </a:xfrm>
+          <a:prstGeom prst="rect">
+            <a:avLst/>
+          </a:prstGeom>
+          <a:noFill/>
+        </p:spPr>
+        <p:txBody>
+          <a:bodyPr wrap="square" rtlCol="0">
+            <a:spAutoFit/>
+          </a:bodyPr>
+          <a:lstStyle/>
+          <a:p>
+            <a:r>
+              <a:rPr lang="en-GB" dirty="0" smtClean="0"/>
+              <a:t>Habits</a:t>
+            </a:r>
+            <a:endParaRPr lang="en-GB" dirty="0"/>
+          </a:p>
+        </p:txBody>
+      </p:sp>
+    </p:spTree>
+    <p:extLst>
+      <p:ext uri="{BB962C8B-B14F-4D97-AF65-F5344CB8AC3E}">
+        <p14:creationId xmlns:p14="http://schemas.microsoft.com/office/powerpoint/2010/main" val="2063151239"/>
+      </p:ext>
+    </p:extLst>
+  </p:cSld>
+  <p:clrMapOvr>
+    <a:masterClrMapping/>
+  </p:clrMapOvr>
+</p:sld>
+</file>
+
+<file path=ppt/slides/slide8.xml><?xml version="1.0" encoding="utf-8"?>
+<p:sld xmlns:a="http://schemas.openxmlformats.org/drawingml/2006/main" xmlns:r="http://schemas.openxmlformats.org/officeDocument/2006/relationships" xmlns:p="http://schemas.openxmlformats.org/presentationml/2006/main">
+  <p:cSld>
+    <p:spTree>
+      <p:nvGrpSpPr>
+        <p:cNvPr id="1" name=""/>
+        <p:cNvGrpSpPr/>
+        <p:nvPr/>
+      </p:nvGrpSpPr>
+      <p:grpSpPr>
+        <a:xfrm>
+          <a:off x="0" y="0"/>
+          <a:ext cx="0" cy="0"/>
+          <a:chOff x="0" y="0"/>
+          <a:chExt cx="0" cy="0"/>
+        </a:xfrm>
+      </p:grpSpPr>
+      <p:sp>
+        <p:nvSpPr>
+          <p:cNvPr id="4" name="Rectangle 3"/>
           <p:cNvSpPr/>
           <p:nvPr/>
         </p:nvSpPr>
         <p:spPr>
           <a:xfrm>
-            <a:off x="4355976" y="908720"/>
-            <a:ext cx="2124236" cy="648072"/>
+            <a:off x="2699792" y="188640"/>
+            <a:ext cx="3960440" cy="6408712"/>
           </a:xfrm>
           <a:prstGeom prst="rect">
             <a:avLst/>
           </a:prstGeom>
           <a:solidFill>
-            <a:schemeClr val="bg1"/>
-          </a:solidFill>
+            <a:srgbClr val="F7F9A5"/>
+          </a:solidFill>
+          <a:ln>
+            <a:solidFill>
+              <a:schemeClr val="accent1">
+                <a:shade val="50000"/>
+              </a:schemeClr>
+            </a:solidFill>
+          </a:ln>
         </p:spPr>
         <p:style>
           <a:lnRef idx="2">
@@ -5901,32 +6920,652 @@
           <a:lstStyle/>
           <a:p>
             <a:pPr algn="ctr"/>
+            <a:endParaRPr lang="en-GB"/>
+          </a:p>
+        </p:txBody>
+      </p:sp>
+      <p:sp>
+        <p:nvSpPr>
+          <p:cNvPr id="5" name="TextBox 4"/>
+          <p:cNvSpPr txBox="1"/>
+          <p:nvPr/>
+        </p:nvSpPr>
+        <p:spPr>
+          <a:xfrm>
+            <a:off x="2699792" y="251356"/>
+            <a:ext cx="3960440" cy="369332"/>
+          </a:xfrm>
+          <a:prstGeom prst="rect">
+            <a:avLst/>
+          </a:prstGeom>
+          <a:noFill/>
+        </p:spPr>
+        <p:txBody>
+          <a:bodyPr wrap="square" rtlCol="0">
+            <a:spAutoFit/>
+          </a:bodyPr>
+          <a:lstStyle/>
+          <a:p>
+            <a:pPr algn="ctr"/>
+            <a:r>
+              <a:rPr lang="en-GB" b="1" dirty="0" smtClean="0"/>
+              <a:t>Take That 1</a:t>
+            </a:r>
+            <a:r>
+              <a:rPr lang="en-GB" b="1" baseline="30000" dirty="0" smtClean="0"/>
+              <a:t>st</a:t>
+            </a:r>
+            <a:r>
+              <a:rPr lang="en-GB" b="1" dirty="0" smtClean="0"/>
+              <a:t> Step</a:t>
+            </a:r>
+            <a:endParaRPr lang="en-GB" b="1" dirty="0"/>
+          </a:p>
+        </p:txBody>
+      </p:sp>
+      <p:sp>
+        <p:nvSpPr>
+          <p:cNvPr id="6" name="Oval 5"/>
+          <p:cNvSpPr/>
+          <p:nvPr/>
+        </p:nvSpPr>
+        <p:spPr>
+          <a:xfrm>
+            <a:off x="3149842" y="1009844"/>
+            <a:ext cx="1080120" cy="474940"/>
+          </a:xfrm>
+          <a:prstGeom prst="ellipse">
+            <a:avLst/>
+          </a:prstGeom>
+          <a:solidFill>
+            <a:schemeClr val="accent1">
+              <a:lumMod val="60000"/>
+              <a:lumOff val="40000"/>
+            </a:schemeClr>
+          </a:solidFill>
+        </p:spPr>
+        <p:style>
+          <a:lnRef idx="2">
+            <a:schemeClr val="accent1">
+              <a:shade val="50000"/>
+            </a:schemeClr>
+          </a:lnRef>
+          <a:fillRef idx="1">
+            <a:schemeClr val="accent1"/>
+          </a:fillRef>
+          <a:effectRef idx="0">
+            <a:schemeClr val="accent1"/>
+          </a:effectRef>
+          <a:fontRef idx="minor">
+            <a:schemeClr val="lt1"/>
+          </a:fontRef>
+        </p:style>
+        <p:txBody>
+          <a:bodyPr rtlCol="0" anchor="ctr"/>
+          <a:lstStyle/>
+          <a:p>
+            <a:pPr algn="ctr"/>
+            <a:r>
+              <a:rPr lang="en-GB" sz="1400" b="1" dirty="0" smtClean="0">
+                <a:solidFill>
+                  <a:schemeClr val="tx1"/>
+                </a:solidFill>
+              </a:rPr>
+              <a:t>Today</a:t>
+            </a:r>
+            <a:endParaRPr lang="en-GB" sz="1200" b="1" dirty="0">
+              <a:solidFill>
+                <a:schemeClr val="tx1"/>
+              </a:solidFill>
+            </a:endParaRPr>
+          </a:p>
+        </p:txBody>
+      </p:sp>
+      <p:sp>
+        <p:nvSpPr>
+          <p:cNvPr id="7" name="Oval 6"/>
+          <p:cNvSpPr/>
+          <p:nvPr/>
+        </p:nvSpPr>
+        <p:spPr>
+          <a:xfrm>
+            <a:off x="5130062" y="1009844"/>
+            <a:ext cx="1080120" cy="474940"/>
+          </a:xfrm>
+          <a:prstGeom prst="ellipse">
+            <a:avLst/>
+          </a:prstGeom>
+          <a:solidFill>
+            <a:schemeClr val="accent1">
+              <a:lumMod val="60000"/>
+              <a:lumOff val="40000"/>
+            </a:schemeClr>
+          </a:solidFill>
+        </p:spPr>
+        <p:style>
+          <a:lnRef idx="2">
+            <a:schemeClr val="accent1">
+              <a:shade val="50000"/>
+            </a:schemeClr>
+          </a:lnRef>
+          <a:fillRef idx="1">
+            <a:schemeClr val="accent1"/>
+          </a:fillRef>
+          <a:effectRef idx="0">
+            <a:schemeClr val="accent1"/>
+          </a:effectRef>
+          <a:fontRef idx="minor">
+            <a:schemeClr val="lt1"/>
+          </a:fontRef>
+        </p:style>
+        <p:txBody>
+          <a:bodyPr rtlCol="0" anchor="ctr"/>
+          <a:lstStyle/>
+          <a:p>
+            <a:pPr algn="ctr"/>
+            <a:r>
+              <a:rPr lang="en-GB" sz="1400" b="1" dirty="0" smtClean="0">
+                <a:solidFill>
+                  <a:schemeClr val="tx1"/>
+                </a:solidFill>
+              </a:rPr>
+              <a:t>Habits</a:t>
+            </a:r>
+            <a:endParaRPr lang="en-GB" sz="1200" b="1" dirty="0">
+              <a:solidFill>
+                <a:schemeClr val="tx1"/>
+              </a:solidFill>
+            </a:endParaRPr>
+          </a:p>
+        </p:txBody>
+      </p:sp>
+      <p:sp>
+        <p:nvSpPr>
+          <p:cNvPr id="8" name="Oval 7"/>
+          <p:cNvSpPr/>
+          <p:nvPr/>
+        </p:nvSpPr>
+        <p:spPr>
+          <a:xfrm>
+            <a:off x="4432176" y="2810044"/>
+            <a:ext cx="495672" cy="474940"/>
+          </a:xfrm>
+          <a:prstGeom prst="ellipse">
+            <a:avLst/>
+          </a:prstGeom>
+          <a:solidFill>
+            <a:srgbClr val="FFC000"/>
+          </a:solidFill>
+        </p:spPr>
+        <p:style>
+          <a:lnRef idx="2">
+            <a:schemeClr val="accent1">
+              <a:shade val="50000"/>
+            </a:schemeClr>
+          </a:lnRef>
+          <a:fillRef idx="1">
+            <a:schemeClr val="accent1"/>
+          </a:fillRef>
+          <a:effectRef idx="0">
+            <a:schemeClr val="accent1"/>
+          </a:effectRef>
+          <a:fontRef idx="minor">
+            <a:schemeClr val="lt1"/>
+          </a:fontRef>
+        </p:style>
+        <p:txBody>
+          <a:bodyPr rtlCol="0" anchor="ctr"/>
+          <a:lstStyle/>
+          <a:p>
+            <a:pPr algn="ctr"/>
+            <a:r>
+              <a:rPr lang="en-GB" sz="2400" dirty="0" smtClean="0">
+                <a:solidFill>
+                  <a:schemeClr val="tx1"/>
+                </a:solidFill>
+              </a:rPr>
+              <a:t>➕</a:t>
+            </a:r>
+            <a:endParaRPr lang="en-GB" sz="2400" dirty="0">
+              <a:solidFill>
+                <a:schemeClr val="tx1"/>
+              </a:solidFill>
+            </a:endParaRPr>
+          </a:p>
+        </p:txBody>
+      </p:sp>
+      <p:sp>
+        <p:nvSpPr>
+          <p:cNvPr id="10" name="Rectangle 9"/>
+          <p:cNvSpPr/>
+          <p:nvPr/>
+        </p:nvSpPr>
+        <p:spPr>
+          <a:xfrm>
+            <a:off x="3689902" y="1628800"/>
+            <a:ext cx="1980220" cy="720080"/>
+          </a:xfrm>
+          <a:prstGeom prst="rect">
+            <a:avLst/>
+          </a:prstGeom>
+          <a:solidFill>
+            <a:srgbClr val="FFC000"/>
+          </a:solidFill>
+        </p:spPr>
+        <p:style>
+          <a:lnRef idx="2">
+            <a:schemeClr val="accent1">
+              <a:shade val="50000"/>
+            </a:schemeClr>
+          </a:lnRef>
+          <a:fillRef idx="1">
+            <a:schemeClr val="accent1"/>
+          </a:fillRef>
+          <a:effectRef idx="0">
+            <a:schemeClr val="accent1"/>
+          </a:effectRef>
+          <a:fontRef idx="minor">
+            <a:schemeClr val="lt1"/>
+          </a:fontRef>
+        </p:style>
+        <p:txBody>
+          <a:bodyPr rtlCol="0" anchor="ctr"/>
+          <a:lstStyle/>
+          <a:p>
+            <a:pPr algn="ctr"/>
+            <a:r>
+              <a:rPr lang="en-GB" sz="1200" dirty="0" smtClean="0">
+                <a:solidFill>
+                  <a:schemeClr val="tx1"/>
+                </a:solidFill>
+              </a:rPr>
+              <a:t>Mediate for 10 minutes every day</a:t>
+            </a:r>
+            <a:endParaRPr lang="en-GB" sz="1200" dirty="0">
+              <a:solidFill>
+                <a:schemeClr val="tx1"/>
+              </a:solidFill>
+            </a:endParaRPr>
+          </a:p>
+        </p:txBody>
+      </p:sp>
+      <p:sp>
+        <p:nvSpPr>
+          <p:cNvPr id="11" name="Rectangle 10"/>
+          <p:cNvSpPr/>
+          <p:nvPr/>
+        </p:nvSpPr>
+        <p:spPr>
+          <a:xfrm>
+            <a:off x="3689902" y="2348880"/>
+            <a:ext cx="1980220" cy="216024"/>
+          </a:xfrm>
+          <a:prstGeom prst="rect">
+            <a:avLst/>
+          </a:prstGeom>
+          <a:solidFill>
+            <a:srgbClr val="FFC000"/>
+          </a:solidFill>
+        </p:spPr>
+        <p:style>
+          <a:lnRef idx="2">
+            <a:schemeClr val="accent1">
+              <a:shade val="50000"/>
+            </a:schemeClr>
+          </a:lnRef>
+          <a:fillRef idx="1">
+            <a:schemeClr val="accent1"/>
+          </a:fillRef>
+          <a:effectRef idx="0">
+            <a:schemeClr val="accent1"/>
+          </a:effectRef>
+          <a:fontRef idx="minor">
+            <a:schemeClr val="lt1"/>
+          </a:fontRef>
+        </p:style>
+        <p:txBody>
+          <a:bodyPr rtlCol="0" anchor="ctr"/>
+          <a:lstStyle/>
+          <a:p>
+            <a:pPr algn="ctr"/>
+            <a:r>
+              <a:rPr lang="en-GB" sz="1400" b="1" dirty="0" smtClean="0">
+                <a:solidFill>
+                  <a:srgbClr val="00B050"/>
+                </a:solidFill>
+              </a:rPr>
+              <a:t>12 Days Left</a:t>
+            </a:r>
+            <a:endParaRPr lang="en-GB" sz="1400" b="1" dirty="0">
+              <a:solidFill>
+                <a:srgbClr val="00B050"/>
+              </a:solidFill>
+            </a:endParaRPr>
+          </a:p>
+        </p:txBody>
+      </p:sp>
+      <p:sp>
+        <p:nvSpPr>
+          <p:cNvPr id="12" name="Rectangle 11"/>
+          <p:cNvSpPr/>
+          <p:nvPr/>
+        </p:nvSpPr>
+        <p:spPr>
+          <a:xfrm>
+            <a:off x="5436097" y="1632974"/>
+            <a:ext cx="234026" cy="211849"/>
+          </a:xfrm>
+          <a:prstGeom prst="rect">
+            <a:avLst/>
+          </a:prstGeom>
+          <a:solidFill>
+            <a:srgbClr val="FFC000"/>
+          </a:solidFill>
+        </p:spPr>
+        <p:style>
+          <a:lnRef idx="2">
+            <a:schemeClr val="accent1">
+              <a:shade val="50000"/>
+            </a:schemeClr>
+          </a:lnRef>
+          <a:fillRef idx="1">
+            <a:schemeClr val="accent1"/>
+          </a:fillRef>
+          <a:effectRef idx="0">
+            <a:schemeClr val="accent1"/>
+          </a:effectRef>
+          <a:fontRef idx="minor">
+            <a:schemeClr val="lt1"/>
+          </a:fontRef>
+        </p:style>
+        <p:txBody>
+          <a:bodyPr rtlCol="0" anchor="ctr"/>
+          <a:lstStyle/>
+          <a:p>
+            <a:pPr algn="ctr"/>
+            <a:r>
+              <a:rPr lang="en-GB" sz="1200" dirty="0" smtClean="0">
+                <a:solidFill>
+                  <a:srgbClr val="FF0000"/>
+                </a:solidFill>
+              </a:rPr>
+              <a:t>❌</a:t>
+            </a:r>
+            <a:endParaRPr lang="en-GB" sz="1200" dirty="0">
+              <a:solidFill>
+                <a:srgbClr val="FF0000"/>
+              </a:solidFill>
+            </a:endParaRPr>
+          </a:p>
+        </p:txBody>
+      </p:sp>
+      <p:sp>
+        <p:nvSpPr>
+          <p:cNvPr id="13" name="Rectangle 12"/>
+          <p:cNvSpPr/>
+          <p:nvPr/>
+        </p:nvSpPr>
+        <p:spPr>
+          <a:xfrm>
+            <a:off x="2699792" y="6165304"/>
+            <a:ext cx="1980220" cy="432048"/>
+          </a:xfrm>
+          <a:prstGeom prst="rect">
+            <a:avLst/>
+          </a:prstGeom>
+          <a:solidFill>
+            <a:schemeClr val="accent1">
+              <a:lumMod val="60000"/>
+              <a:lumOff val="40000"/>
+            </a:schemeClr>
+          </a:solidFill>
+        </p:spPr>
+        <p:style>
+          <a:lnRef idx="2">
+            <a:schemeClr val="accent1">
+              <a:shade val="50000"/>
+            </a:schemeClr>
+          </a:lnRef>
+          <a:fillRef idx="1">
+            <a:schemeClr val="accent1"/>
+          </a:fillRef>
+          <a:effectRef idx="0">
+            <a:schemeClr val="accent1"/>
+          </a:effectRef>
+          <a:fontRef idx="minor">
+            <a:schemeClr val="lt1"/>
+          </a:fontRef>
+        </p:style>
+        <p:txBody>
+          <a:bodyPr rtlCol="0" anchor="ctr"/>
+          <a:lstStyle/>
+          <a:p>
+            <a:pPr algn="ctr"/>
+            <a:r>
+              <a:rPr lang="en-GB" sz="1400" dirty="0">
+                <a:solidFill>
+                  <a:schemeClr val="tx1"/>
+                </a:solidFill>
+              </a:rPr>
+              <a:t>💭 </a:t>
+            </a:r>
+            <a:r>
+              <a:rPr lang="en-GB" sz="1400" dirty="0" smtClean="0">
+                <a:solidFill>
+                  <a:schemeClr val="tx1"/>
+                </a:solidFill>
+              </a:rPr>
+              <a:t>  </a:t>
+            </a:r>
+            <a:r>
+              <a:rPr lang="en-GB" sz="1400" b="1" dirty="0" smtClean="0">
+                <a:solidFill>
+                  <a:schemeClr val="tx1"/>
+                </a:solidFill>
+              </a:rPr>
+              <a:t>Inspiration</a:t>
+            </a:r>
+            <a:r>
+              <a:rPr lang="en-GB" sz="1400" dirty="0" smtClean="0">
+                <a:solidFill>
+                  <a:schemeClr val="tx1"/>
+                </a:solidFill>
+              </a:rPr>
+              <a:t>   💭 </a:t>
+            </a:r>
+            <a:endParaRPr lang="en-GB" sz="1400" dirty="0">
+              <a:solidFill>
+                <a:schemeClr val="tx1"/>
+              </a:solidFill>
+            </a:endParaRPr>
+          </a:p>
+        </p:txBody>
+      </p:sp>
+      <p:sp>
+        <p:nvSpPr>
+          <p:cNvPr id="14" name="Rectangle 13"/>
+          <p:cNvSpPr/>
+          <p:nvPr/>
+        </p:nvSpPr>
+        <p:spPr>
+          <a:xfrm>
+            <a:off x="4680012" y="6165304"/>
+            <a:ext cx="1980220" cy="432048"/>
+          </a:xfrm>
+          <a:prstGeom prst="rect">
+            <a:avLst/>
+          </a:prstGeom>
+          <a:solidFill>
+            <a:schemeClr val="accent1">
+              <a:lumMod val="60000"/>
+              <a:lumOff val="40000"/>
+            </a:schemeClr>
+          </a:solidFill>
+        </p:spPr>
+        <p:style>
+          <a:lnRef idx="2">
+            <a:schemeClr val="accent1">
+              <a:shade val="50000"/>
+            </a:schemeClr>
+          </a:lnRef>
+          <a:fillRef idx="1">
+            <a:schemeClr val="accent1"/>
+          </a:fillRef>
+          <a:effectRef idx="0">
+            <a:schemeClr val="accent1"/>
+          </a:effectRef>
+          <a:fontRef idx="minor">
+            <a:schemeClr val="lt1"/>
+          </a:fontRef>
+        </p:style>
+        <p:txBody>
+          <a:bodyPr rtlCol="0" anchor="ctr"/>
+          <a:lstStyle/>
+          <a:p>
+            <a:pPr algn="ctr"/>
+            <a:r>
+              <a:rPr lang="en-GB" sz="1400" dirty="0">
+                <a:solidFill>
+                  <a:schemeClr val="tx1"/>
+                </a:solidFill>
+              </a:rPr>
+              <a:t>🏆 </a:t>
+            </a:r>
+            <a:r>
+              <a:rPr lang="en-GB" sz="1400" dirty="0" smtClean="0">
+                <a:solidFill>
+                  <a:schemeClr val="tx1"/>
+                </a:solidFill>
+              </a:rPr>
+              <a:t>   </a:t>
+            </a:r>
+            <a:r>
+              <a:rPr lang="en-GB" sz="1400" b="1" dirty="0" smtClean="0">
+                <a:solidFill>
+                  <a:schemeClr val="tx1"/>
+                </a:solidFill>
+              </a:rPr>
+              <a:t>Achievements</a:t>
+            </a:r>
+            <a:r>
+              <a:rPr lang="en-GB" sz="1400" dirty="0" smtClean="0">
+                <a:solidFill>
+                  <a:schemeClr val="tx1"/>
+                </a:solidFill>
+              </a:rPr>
+              <a:t>   </a:t>
+            </a:r>
+            <a:r>
+              <a:rPr lang="en-GB" sz="1400" dirty="0" smtClean="0">
+                <a:solidFill>
+                  <a:schemeClr val="tx1"/>
+                </a:solidFill>
+              </a:rPr>
+              <a:t>🏆 </a:t>
+            </a:r>
+            <a:endParaRPr lang="en-GB" sz="1400" dirty="0">
+              <a:solidFill>
+                <a:schemeClr val="tx1"/>
+              </a:solidFill>
+            </a:endParaRPr>
+          </a:p>
+        </p:txBody>
+      </p:sp>
+      <p:sp>
+        <p:nvSpPr>
+          <p:cNvPr id="15" name="TextBox 14"/>
+          <p:cNvSpPr txBox="1"/>
+          <p:nvPr/>
+        </p:nvSpPr>
+        <p:spPr>
+          <a:xfrm>
+            <a:off x="2699792" y="620688"/>
+            <a:ext cx="3960440" cy="276999"/>
+          </a:xfrm>
+          <a:prstGeom prst="rect">
+            <a:avLst/>
+          </a:prstGeom>
+          <a:noFill/>
+        </p:spPr>
+        <p:txBody>
+          <a:bodyPr wrap="square" rtlCol="0">
+            <a:spAutoFit/>
+          </a:bodyPr>
+          <a:lstStyle/>
+          <a:p>
+            <a:r>
+              <a:rPr lang="en-GB" sz="1200" dirty="0" smtClean="0"/>
+              <a:t>                                      📅 </a:t>
+            </a:r>
+            <a:r>
+              <a:rPr lang="en-GB" sz="1200" b="1" dirty="0"/>
+              <a:t>13/09/2020</a:t>
+            </a:r>
+            <a:r>
+              <a:rPr lang="en-GB" sz="1200" dirty="0"/>
+              <a:t> </a:t>
+            </a:r>
+            <a:r>
+              <a:rPr lang="en-GB" sz="1200" dirty="0" smtClean="0"/>
+              <a:t>📅                                    </a:t>
+            </a:r>
+            <a:r>
+              <a:rPr lang="en-GB" sz="1200" b="1" dirty="0" smtClean="0"/>
+              <a:t>:</a:t>
+            </a:r>
+            <a:endParaRPr lang="en-GB" sz="1200" b="1" dirty="0" smtClean="0"/>
+          </a:p>
+        </p:txBody>
+      </p:sp>
+      <p:sp>
+        <p:nvSpPr>
+          <p:cNvPr id="9" name="Rectangle 8"/>
+          <p:cNvSpPr/>
+          <p:nvPr/>
+        </p:nvSpPr>
+        <p:spPr>
+          <a:xfrm>
+            <a:off x="2915816" y="1612588"/>
+            <a:ext cx="3528392" cy="4336692"/>
+          </a:xfrm>
+          <a:prstGeom prst="rect">
+            <a:avLst/>
+          </a:prstGeom>
+          <a:solidFill>
+            <a:schemeClr val="accent6">
+              <a:lumMod val="60000"/>
+              <a:lumOff val="40000"/>
+            </a:schemeClr>
+          </a:solidFill>
+        </p:spPr>
+        <p:style>
+          <a:lnRef idx="2">
+            <a:schemeClr val="accent1">
+              <a:shade val="50000"/>
+            </a:schemeClr>
+          </a:lnRef>
+          <a:fillRef idx="1">
+            <a:schemeClr val="accent1"/>
+          </a:fillRef>
+          <a:effectRef idx="0">
+            <a:schemeClr val="accent1"/>
+          </a:effectRef>
+          <a:fontRef idx="minor">
+            <a:schemeClr val="lt1"/>
+          </a:fontRef>
+        </p:style>
+        <p:txBody>
+          <a:bodyPr rtlCol="0" anchor="ctr"/>
+          <a:lstStyle/>
+          <a:p>
+            <a:pPr algn="ctr"/>
             <a:r>
               <a:rPr lang="en-GB" dirty="0" smtClean="0">
                 <a:solidFill>
                   <a:schemeClr val="tx1"/>
                 </a:solidFill>
               </a:rPr>
-              <a:t>About </a:t>
-            </a:r>
-            <a:r>
-              <a:rPr lang="en-GB" dirty="0" smtClean="0">
-                <a:solidFill>
-                  <a:schemeClr val="tx1"/>
-                </a:solidFill>
-              </a:rPr>
-              <a:t>🅰</a:t>
-            </a:r>
-          </a:p>
-          <a:p>
-            <a:pPr algn="ctr"/>
-            <a:r>
-              <a:rPr lang="en-GB" dirty="0" smtClean="0">
-                <a:solidFill>
-                  <a:schemeClr val="tx1"/>
-                </a:solidFill>
-              </a:rPr>
-              <a:t>Privacy Policy ℹ</a:t>
+              <a:t>Inspiration</a:t>
             </a:r>
             <a:endParaRPr lang="en-GB" dirty="0">
               <a:solidFill>
@@ -5936,10 +7575,98 @@
           </a:p>
         </p:txBody>
       </p:sp>
+      <p:sp>
+        <p:nvSpPr>
+          <p:cNvPr id="16" name="Rectangle 15"/>
+          <p:cNvSpPr/>
+          <p:nvPr/>
+        </p:nvSpPr>
+        <p:spPr>
+          <a:xfrm>
+            <a:off x="6210182" y="1617353"/>
+            <a:ext cx="234026" cy="211849"/>
+          </a:xfrm>
+          <a:prstGeom prst="rect">
+            <a:avLst/>
+          </a:prstGeom>
+          <a:solidFill>
+            <a:schemeClr val="accent6">
+              <a:lumMod val="60000"/>
+              <a:lumOff val="40000"/>
+            </a:schemeClr>
+          </a:solidFill>
+        </p:spPr>
+        <p:style>
+          <a:lnRef idx="2">
+            <a:schemeClr val="accent1">
+              <a:shade val="50000"/>
+            </a:schemeClr>
+          </a:lnRef>
+          <a:fillRef idx="1">
+            <a:schemeClr val="accent1"/>
+          </a:fillRef>
+          <a:effectRef idx="0">
+            <a:schemeClr val="accent1"/>
+          </a:effectRef>
+          <a:fontRef idx="minor">
+            <a:schemeClr val="lt1"/>
+          </a:fontRef>
+        </p:style>
+        <p:txBody>
+          <a:bodyPr rtlCol="0" anchor="ctr"/>
+          <a:lstStyle/>
+          <a:p>
+            <a:pPr algn="ctr"/>
+            <a:r>
+              <a:rPr lang="en-GB" sz="1200" b="1" dirty="0" smtClean="0">
+                <a:solidFill>
+                  <a:srgbClr val="FF0000"/>
+                </a:solidFill>
+              </a:rPr>
+              <a:t>❌</a:t>
+            </a:r>
+            <a:endParaRPr lang="en-GB" sz="1200" b="1" dirty="0">
+              <a:solidFill>
+                <a:srgbClr val="FF0000"/>
+              </a:solidFill>
+            </a:endParaRPr>
+          </a:p>
+        </p:txBody>
+      </p:sp>
+      <p:sp>
+        <p:nvSpPr>
+          <p:cNvPr id="17" name="TextBox 16"/>
+          <p:cNvSpPr txBox="1"/>
+          <p:nvPr/>
+        </p:nvSpPr>
+        <p:spPr>
+          <a:xfrm>
+            <a:off x="24964" y="45512"/>
+            <a:ext cx="1234668" cy="369332"/>
+          </a:xfrm>
+          <a:prstGeom prst="rect">
+            <a:avLst/>
+          </a:prstGeom>
+          <a:noFill/>
+        </p:spPr>
+        <p:txBody>
+          <a:bodyPr wrap="square" rtlCol="0">
+            <a:spAutoFit/>
+          </a:bodyPr>
+          <a:lstStyle/>
+          <a:p>
+            <a:r>
+              <a:rPr lang="en-GB" dirty="0" smtClean="0"/>
+              <a:t>Inspiration</a:t>
+            </a:r>
+            <a:endParaRPr lang="en-GB" dirty="0"/>
+          </a:p>
+        </p:txBody>
+      </p:sp>
     </p:spTree>
     <p:extLst>
       <p:ext uri="{BB962C8B-B14F-4D97-AF65-F5344CB8AC3E}">
-        <p14:creationId xmlns:p14="http://schemas.microsoft.com/office/powerpoint/2010/main" val="2063151239"/>
+        <p14:creationId xmlns:p14="http://schemas.microsoft.com/office/powerpoint/2010/main" val="1107338124"/>
       </p:ext>
     </p:extLst>
   </p:cSld>

--- a/UI Ideas.pptx
+++ b/UI Ideas.pptx
@@ -295,7 +295,7 @@
           <a:p>
             <a:fld id="{6C6399F9-48EB-4B19-B916-6516625928B8}" type="datetimeFigureOut">
               <a:rPr lang="en-GB" smtClean="0"/>
-              <a:t>14/09/2020</a:t>
+              <a:t>15/09/2020</a:t>
             </a:fld>
             <a:endParaRPr lang="en-GB"/>
           </a:p>
@@ -465,7 +465,7 @@
           <a:p>
             <a:fld id="{6C6399F9-48EB-4B19-B916-6516625928B8}" type="datetimeFigureOut">
               <a:rPr lang="en-GB" smtClean="0"/>
-              <a:t>14/09/2020</a:t>
+              <a:t>15/09/2020</a:t>
             </a:fld>
             <a:endParaRPr lang="en-GB"/>
           </a:p>
@@ -645,7 +645,7 @@
           <a:p>
             <a:fld id="{6C6399F9-48EB-4B19-B916-6516625928B8}" type="datetimeFigureOut">
               <a:rPr lang="en-GB" smtClean="0"/>
-              <a:t>14/09/2020</a:t>
+              <a:t>15/09/2020</a:t>
             </a:fld>
             <a:endParaRPr lang="en-GB"/>
           </a:p>
@@ -815,7 +815,7 @@
           <a:p>
             <a:fld id="{6C6399F9-48EB-4B19-B916-6516625928B8}" type="datetimeFigureOut">
               <a:rPr lang="en-GB" smtClean="0"/>
-              <a:t>14/09/2020</a:t>
+              <a:t>15/09/2020</a:t>
             </a:fld>
             <a:endParaRPr lang="en-GB"/>
           </a:p>
@@ -1061,7 +1061,7 @@
           <a:p>
             <a:fld id="{6C6399F9-48EB-4B19-B916-6516625928B8}" type="datetimeFigureOut">
               <a:rPr lang="en-GB" smtClean="0"/>
-              <a:t>14/09/2020</a:t>
+              <a:t>15/09/2020</a:t>
             </a:fld>
             <a:endParaRPr lang="en-GB"/>
           </a:p>
@@ -1349,7 +1349,7 @@
           <a:p>
             <a:fld id="{6C6399F9-48EB-4B19-B916-6516625928B8}" type="datetimeFigureOut">
               <a:rPr lang="en-GB" smtClean="0"/>
-              <a:t>14/09/2020</a:t>
+              <a:t>15/09/2020</a:t>
             </a:fld>
             <a:endParaRPr lang="en-GB"/>
           </a:p>
@@ -1771,7 +1771,7 @@
           <a:p>
             <a:fld id="{6C6399F9-48EB-4B19-B916-6516625928B8}" type="datetimeFigureOut">
               <a:rPr lang="en-GB" smtClean="0"/>
-              <a:t>14/09/2020</a:t>
+              <a:t>15/09/2020</a:t>
             </a:fld>
             <a:endParaRPr lang="en-GB"/>
           </a:p>
@@ -1889,7 +1889,7 @@
           <a:p>
             <a:fld id="{6C6399F9-48EB-4B19-B916-6516625928B8}" type="datetimeFigureOut">
               <a:rPr lang="en-GB" smtClean="0"/>
-              <a:t>14/09/2020</a:t>
+              <a:t>15/09/2020</a:t>
             </a:fld>
             <a:endParaRPr lang="en-GB"/>
           </a:p>
@@ -1984,7 +1984,7 @@
           <a:p>
             <a:fld id="{6C6399F9-48EB-4B19-B916-6516625928B8}" type="datetimeFigureOut">
               <a:rPr lang="en-GB" smtClean="0"/>
-              <a:t>14/09/2020</a:t>
+              <a:t>15/09/2020</a:t>
             </a:fld>
             <a:endParaRPr lang="en-GB"/>
           </a:p>
@@ -2261,7 +2261,7 @@
           <a:p>
             <a:fld id="{6C6399F9-48EB-4B19-B916-6516625928B8}" type="datetimeFigureOut">
               <a:rPr lang="en-GB" smtClean="0"/>
-              <a:t>14/09/2020</a:t>
+              <a:t>15/09/2020</a:t>
             </a:fld>
             <a:endParaRPr lang="en-GB"/>
           </a:p>
@@ -2514,7 +2514,7 @@
           <a:p>
             <a:fld id="{6C6399F9-48EB-4B19-B916-6516625928B8}" type="datetimeFigureOut">
               <a:rPr lang="en-GB" smtClean="0"/>
-              <a:t>14/09/2020</a:t>
+              <a:t>15/09/2020</a:t>
             </a:fld>
             <a:endParaRPr lang="en-GB"/>
           </a:p>
@@ -2751,7 +2751,7 @@
           <a:p>
             <a:fld id="{6C6399F9-48EB-4B19-B916-6516625928B8}" type="datetimeFigureOut">
               <a:rPr lang="en-GB" smtClean="0"/>
-              <a:t>14/09/2020</a:t>
+              <a:t>15/09/2020</a:t>
             </a:fld>
             <a:endParaRPr lang="en-GB"/>
           </a:p>
@@ -4659,11 +4659,7 @@
           <a:p>
             <a:r>
               <a:rPr lang="en-GB" dirty="0" smtClean="0"/>
-              <a:t>New </a:t>
-            </a:r>
-            <a:r>
-              <a:rPr lang="en-GB" dirty="0" smtClean="0"/>
-              <a:t>Iteration</a:t>
+              <a:t>New Iteration</a:t>
             </a:r>
             <a:endParaRPr lang="en-GB" dirty="0"/>
           </a:p>
@@ -5061,11 +5057,6 @@
               </a:rPr>
               <a:t>✔</a:t>
             </a:r>
-            <a:endParaRPr lang="en-GB" sz="1400" b="1" dirty="0">
-              <a:solidFill>
-                <a:srgbClr val="00B050"/>
-              </a:solidFill>
-            </a:endParaRPr>
           </a:p>
         </p:txBody>
       </p:sp>
@@ -5278,15 +5269,7 @@
                   <a:schemeClr val="tx1"/>
                 </a:solidFill>
               </a:rPr>
-              <a:t>   </a:t>
-            </a:r>
-            <a:r>
-              <a:rPr lang="en-GB" sz="1400" dirty="0" smtClean="0">
-                <a:solidFill>
-                  <a:schemeClr val="tx1"/>
-                </a:solidFill>
-              </a:rPr>
-              <a:t>🏆 </a:t>
+              <a:t>   🏆 </a:t>
             </a:r>
             <a:endParaRPr lang="en-GB" sz="1400" dirty="0">
               <a:solidFill>
@@ -5338,7 +5321,6 @@
               <a:rPr lang="en-GB" sz="1200" b="1" dirty="0" smtClean="0"/>
               <a:t>:</a:t>
             </a:r>
-            <a:endParaRPr lang="en-GB" sz="1200" b="1" dirty="0" smtClean="0"/>
           </a:p>
         </p:txBody>
       </p:sp>
@@ -5981,15 +5963,7 @@
                   <a:schemeClr val="tx1"/>
                 </a:solidFill>
               </a:rPr>
-              <a:t>   </a:t>
-            </a:r>
-            <a:r>
-              <a:rPr lang="en-GB" sz="1400" dirty="0" smtClean="0">
-                <a:solidFill>
-                  <a:schemeClr val="tx1"/>
-                </a:solidFill>
-              </a:rPr>
-              <a:t>🏆 </a:t>
+              <a:t>   🏆 </a:t>
             </a:r>
             <a:endParaRPr lang="en-GB" sz="1400" dirty="0">
               <a:solidFill>
@@ -6041,7 +6015,6 @@
               <a:rPr lang="en-GB" sz="1200" b="1" dirty="0" smtClean="0"/>
               <a:t>:</a:t>
             </a:r>
-            <a:endParaRPr lang="en-GB" sz="1200" b="1" dirty="0" smtClean="0"/>
           </a:p>
         </p:txBody>
       </p:sp>
@@ -6750,15 +6723,7 @@
                   <a:schemeClr val="tx1"/>
                 </a:solidFill>
               </a:rPr>
-              <a:t>   </a:t>
-            </a:r>
-            <a:r>
-              <a:rPr lang="en-GB" sz="1400" dirty="0" smtClean="0">
-                <a:solidFill>
-                  <a:schemeClr val="tx1"/>
-                </a:solidFill>
-              </a:rPr>
-              <a:t>🏆 </a:t>
+              <a:t>   🏆 </a:t>
             </a:r>
             <a:endParaRPr lang="en-GB" sz="1400" dirty="0">
               <a:solidFill>
@@ -6810,7 +6775,6 @@
               <a:rPr lang="en-GB" sz="1200" b="1" dirty="0" smtClean="0"/>
               <a:t>:</a:t>
             </a:r>
-            <a:endParaRPr lang="en-GB" sz="1200" b="1" dirty="0" smtClean="0"/>
           </a:p>
         </p:txBody>
       </p:sp>
@@ -6823,7 +6787,7 @@
         <p:spPr>
           <a:xfrm>
             <a:off x="24964" y="45512"/>
-            <a:ext cx="792088" cy="369332"/>
+            <a:ext cx="1018644" cy="923330"/>
           </a:xfrm>
           <a:prstGeom prst="rect">
             <a:avLst/>
@@ -6838,7 +6802,7 @@
           <a:p>
             <a:r>
               <a:rPr lang="en-GB" dirty="0" smtClean="0"/>
-              <a:t>Habits</a:t>
+              <a:t>Habits &amp; Settings Menu</a:t>
             </a:r>
             <a:endParaRPr lang="en-GB" dirty="0"/>
           </a:p>
@@ -7453,15 +7417,7 @@
                   <a:schemeClr val="tx1"/>
                 </a:solidFill>
               </a:rPr>
-              <a:t>   </a:t>
-            </a:r>
-            <a:r>
-              <a:rPr lang="en-GB" sz="1400" dirty="0" smtClean="0">
-                <a:solidFill>
-                  <a:schemeClr val="tx1"/>
-                </a:solidFill>
-              </a:rPr>
-              <a:t>🏆 </a:t>
+              <a:t>   🏆 </a:t>
             </a:r>
             <a:endParaRPr lang="en-GB" sz="1400" dirty="0">
               <a:solidFill>
@@ -7513,7 +7469,6 @@
               <a:rPr lang="en-GB" sz="1200" b="1" dirty="0" smtClean="0"/>
               <a:t>:</a:t>
             </a:r>
-            <a:endParaRPr lang="en-GB" sz="1200" b="1" dirty="0" smtClean="0"/>
           </a:p>
         </p:txBody>
       </p:sp>
@@ -7565,7 +7520,7 @@
                   <a:schemeClr val="tx1"/>
                 </a:solidFill>
               </a:rPr>
-              <a:t>Inspiration</a:t>
+              <a:t>&lt; Inspiration &gt;</a:t>
             </a:r>
             <a:endParaRPr lang="en-GB" dirty="0">
               <a:solidFill>
